--- a/slides.pptx
+++ b/slides.pptx
@@ -5,10 +5,10 @@
     <p:sldMasterId id="2147483648" r:id="rId1"/>
   </p:sldMasterIdLst>
   <p:notesMasterIdLst>
-    <p:notesMasterId r:id="rId20"/>
+    <p:notesMasterId r:id="rId23"/>
   </p:notesMasterIdLst>
   <p:handoutMasterIdLst>
-    <p:handoutMasterId r:id="rId21"/>
+    <p:handoutMasterId r:id="rId24"/>
   </p:handoutMasterIdLst>
   <p:sldIdLst>
     <p:sldId id="290" r:id="rId2"/>
@@ -17,23 +17,26 @@
     <p:sldId id="417" r:id="rId5"/>
     <p:sldId id="420" r:id="rId6"/>
     <p:sldId id="421" r:id="rId7"/>
-    <p:sldId id="422" r:id="rId8"/>
-    <p:sldId id="423" r:id="rId9"/>
-    <p:sldId id="424" r:id="rId10"/>
-    <p:sldId id="415" r:id="rId11"/>
-    <p:sldId id="416" r:id="rId12"/>
-    <p:sldId id="427" r:id="rId13"/>
-    <p:sldId id="428" r:id="rId14"/>
-    <p:sldId id="425" r:id="rId15"/>
-    <p:sldId id="426" r:id="rId16"/>
-    <p:sldId id="429" r:id="rId17"/>
-    <p:sldId id="430" r:id="rId18"/>
-    <p:sldId id="414" r:id="rId19"/>
+    <p:sldId id="423" r:id="rId8"/>
+    <p:sldId id="424" r:id="rId9"/>
+    <p:sldId id="415" r:id="rId10"/>
+    <p:sldId id="416" r:id="rId11"/>
+    <p:sldId id="427" r:id="rId12"/>
+    <p:sldId id="428" r:id="rId13"/>
+    <p:sldId id="425" r:id="rId14"/>
+    <p:sldId id="426" r:id="rId15"/>
+    <p:sldId id="429" r:id="rId16"/>
+    <p:sldId id="431" r:id="rId17"/>
+    <p:sldId id="432" r:id="rId18"/>
+    <p:sldId id="433" r:id="rId19"/>
+    <p:sldId id="434" r:id="rId20"/>
+    <p:sldId id="430" r:id="rId21"/>
+    <p:sldId id="414" r:id="rId22"/>
   </p:sldIdLst>
   <p:sldSz cx="12192000" cy="6858000"/>
   <p:notesSz cx="7302500" cy="9586913"/>
   <p:custDataLst>
-    <p:tags r:id="rId22"/>
+    <p:tags r:id="rId25"/>
   </p:custDataLst>
   <p:defaultTextStyle>
     <a:defPPr>
@@ -3801,93 +3804,6 @@
       </p:grpSpPr>
       <p:sp>
         <p:nvSpPr>
-          <p:cNvPr id="2" name="标题 1">
-            <a:extLst>
-              <a:ext uri="{FF2B5EF4-FFF2-40B4-BE49-F238E27FC236}">
-                <a16:creationId xmlns:a16="http://schemas.microsoft.com/office/drawing/2014/main" id="{F8E69015-04D5-47C8-B777-4E05F26F2F81}"/>
-              </a:ext>
-            </a:extLst>
-          </p:cNvPr>
-          <p:cNvSpPr>
-            <a:spLocks noGrp="1"/>
-          </p:cNvSpPr>
-          <p:nvPr>
-            <p:ph type="title"/>
-          </p:nvPr>
-        </p:nvSpPr>
-        <p:spPr/>
-        <p:txBody>
-          <a:bodyPr/>
-          <a:lstStyle/>
-          <a:p>
-            <a:r>
-              <a:rPr lang="en-US" altLang="zh-CN" dirty="0"/>
-              <a:t>Evaluation</a:t>
-            </a:r>
-            <a:endParaRPr lang="zh-CN" altLang="en-US" dirty="0"/>
-          </a:p>
-        </p:txBody>
-      </p:sp>
-      <p:sp>
-        <p:nvSpPr>
-          <p:cNvPr id="3" name="内容占位符 2">
-            <a:extLst>
-              <a:ext uri="{FF2B5EF4-FFF2-40B4-BE49-F238E27FC236}">
-                <a16:creationId xmlns:a16="http://schemas.microsoft.com/office/drawing/2014/main" id="{DDE58DB3-600E-4003-AF41-CA53FE33C2AF}"/>
-              </a:ext>
-            </a:extLst>
-          </p:cNvPr>
-          <p:cNvSpPr>
-            <a:spLocks noGrp="1"/>
-          </p:cNvSpPr>
-          <p:nvPr>
-            <p:ph idx="1"/>
-          </p:nvPr>
-        </p:nvSpPr>
-        <p:spPr/>
-        <p:txBody>
-          <a:bodyPr/>
-          <a:lstStyle/>
-          <a:p>
-            <a:r>
-              <a:rPr lang="zh-CN" altLang="en-US" dirty="0"/>
-              <a:t>夏普比，年化收益如何？</a:t>
-            </a:r>
-          </a:p>
-        </p:txBody>
-      </p:sp>
-    </p:spTree>
-    <p:extLst>
-      <p:ext uri="{BB962C8B-B14F-4D97-AF65-F5344CB8AC3E}">
-        <p14:creationId xmlns:p14="http://schemas.microsoft.com/office/powerpoint/2010/main" val="1203914112"/>
-      </p:ext>
-    </p:extLst>
-  </p:cSld>
-  <p:clrMapOvr>
-    <a:masterClrMapping/>
-  </p:clrMapOvr>
-</p:sld>
-</file>
-
-<file path=ppt/slides/slide11.xml><?xml version="1.0" encoding="utf-8"?>
-<p:sld xmlns:a="http://schemas.openxmlformats.org/drawingml/2006/main" xmlns:r="http://schemas.openxmlformats.org/officeDocument/2006/relationships" xmlns:p="http://schemas.openxmlformats.org/presentationml/2006/main">
-  <p:cSld>
-    <p:spTree>
-      <p:nvGrpSpPr>
-        <p:cNvPr id="1" name=""/>
-        <p:cNvGrpSpPr/>
-        <p:nvPr/>
-      </p:nvGrpSpPr>
-      <p:grpSpPr>
-        <a:xfrm>
-          <a:off x="0" y="0"/>
-          <a:ext cx="0" cy="0"/>
-          <a:chOff x="0" y="0"/>
-          <a:chExt cx="0" cy="0"/>
-        </a:xfrm>
-      </p:grpSpPr>
-      <p:sp>
-        <p:nvSpPr>
           <p:cNvPr id="6" name="矩形 5">
             <a:extLst>
               <a:ext uri="{FF2B5EF4-FFF2-40B4-BE49-F238E27FC236}">
@@ -4074,7 +3990,7 @@
 </p:sld>
 </file>
 
-<file path=ppt/slides/slide12.xml><?xml version="1.0" encoding="utf-8"?>
+<file path=ppt/slides/slide11.xml><?xml version="1.0" encoding="utf-8"?>
 <p:sld xmlns:a="http://schemas.openxmlformats.org/drawingml/2006/main" xmlns:r="http://schemas.openxmlformats.org/officeDocument/2006/relationships" xmlns:p="http://schemas.openxmlformats.org/presentationml/2006/main">
   <p:cSld>
     <p:spTree>
@@ -4306,7 +4222,7 @@
 </p:sld>
 </file>
 
-<file path=ppt/slides/slide13.xml><?xml version="1.0" encoding="utf-8"?>
+<file path=ppt/slides/slide12.xml><?xml version="1.0" encoding="utf-8"?>
 <p:sld xmlns:a="http://schemas.openxmlformats.org/drawingml/2006/main" xmlns:r="http://schemas.openxmlformats.org/officeDocument/2006/relationships" xmlns:p="http://schemas.openxmlformats.org/presentationml/2006/main">
   <p:cSld>
     <p:spTree>
@@ -4579,7 +4495,7 @@
 </p:sld>
 </file>
 
-<file path=ppt/slides/slide14.xml><?xml version="1.0" encoding="utf-8"?>
+<file path=ppt/slides/slide13.xml><?xml version="1.0" encoding="utf-8"?>
 <p:sld xmlns:a="http://schemas.openxmlformats.org/drawingml/2006/main" xmlns:r="http://schemas.openxmlformats.org/officeDocument/2006/relationships" xmlns:p="http://schemas.openxmlformats.org/presentationml/2006/main">
   <p:cSld>
     <p:spTree>
@@ -4993,7 +4909,7 @@
 </p:sld>
 </file>
 
-<file path=ppt/slides/slide15.xml><?xml version="1.0" encoding="utf-8"?>
+<file path=ppt/slides/slide14.xml><?xml version="1.0" encoding="utf-8"?>
 <p:sld xmlns:a="http://schemas.openxmlformats.org/drawingml/2006/main" xmlns:r="http://schemas.openxmlformats.org/officeDocument/2006/relationships" xmlns:p="http://schemas.openxmlformats.org/presentationml/2006/main">
   <p:cSld>
     <p:spTree>
@@ -5127,21 +5043,383 @@
             </a:r>
             <a:endParaRPr lang="en-US" altLang="zh-CN" dirty="0"/>
           </a:p>
-          <a:p>
-            <a:endParaRPr lang="en-US" altLang="zh-CN" dirty="0"/>
-          </a:p>
-          <a:p>
-            <a:r>
-              <a:rPr lang="zh-CN" altLang="en-US" dirty="0"/>
-              <a:t>我们算法的优势：参数少，过拟合风险小</a:t>
-            </a:r>
-          </a:p>
         </p:txBody>
       </p:sp>
     </p:spTree>
     <p:extLst>
       <p:ext uri="{BB962C8B-B14F-4D97-AF65-F5344CB8AC3E}">
         <p14:creationId xmlns:p14="http://schemas.microsoft.com/office/powerpoint/2010/main" val="3531789223"/>
+      </p:ext>
+    </p:extLst>
+  </p:cSld>
+  <p:clrMapOvr>
+    <a:masterClrMapping/>
+  </p:clrMapOvr>
+</p:sld>
+</file>
+
+<file path=ppt/slides/slide15.xml><?xml version="1.0" encoding="utf-8"?>
+<p:sld xmlns:a="http://schemas.openxmlformats.org/drawingml/2006/main" xmlns:r="http://schemas.openxmlformats.org/officeDocument/2006/relationships" xmlns:p="http://schemas.openxmlformats.org/presentationml/2006/main">
+  <p:cSld>
+    <p:spTree>
+      <p:nvGrpSpPr>
+        <p:cNvPr id="1" name=""/>
+        <p:cNvGrpSpPr/>
+        <p:nvPr/>
+      </p:nvGrpSpPr>
+      <p:grpSpPr>
+        <a:xfrm>
+          <a:off x="0" y="0"/>
+          <a:ext cx="0" cy="0"/>
+          <a:chOff x="0" y="0"/>
+          <a:chExt cx="0" cy="0"/>
+        </a:xfrm>
+      </p:grpSpPr>
+      <p:pic>
+        <p:nvPicPr>
+          <p:cNvPr id="8" name="图片 7">
+            <a:extLst>
+              <a:ext uri="{FF2B5EF4-FFF2-40B4-BE49-F238E27FC236}">
+                <a16:creationId xmlns:a16="http://schemas.microsoft.com/office/drawing/2014/main" id="{E9FC68B7-1249-444D-84ED-0A3BD62E256F}"/>
+              </a:ext>
+            </a:extLst>
+          </p:cNvPr>
+          <p:cNvPicPr>
+            <a:picLocks noChangeAspect="1"/>
+          </p:cNvPicPr>
+          <p:nvPr/>
+        </p:nvPicPr>
+        <p:blipFill>
+          <a:blip r:embed="rId2">
+            <a:extLst>
+              <a:ext uri="{28A0092B-C50C-407E-A947-70E740481C1C}">
+                <a14:useLocalDpi xmlns:a14="http://schemas.microsoft.com/office/drawing/2010/main" val="0"/>
+              </a:ext>
+            </a:extLst>
+          </a:blip>
+          <a:stretch>
+            <a:fillRect/>
+          </a:stretch>
+        </p:blipFill>
+        <p:spPr>
+          <a:xfrm>
+            <a:off x="-1194759" y="2438400"/>
+            <a:ext cx="12192000" cy="3048000"/>
+          </a:xfrm>
+          <a:prstGeom prst="rect">
+            <a:avLst/>
+          </a:prstGeom>
+        </p:spPr>
+      </p:pic>
+      <p:sp>
+        <p:nvSpPr>
+          <p:cNvPr id="9" name="文本框 8">
+            <a:extLst>
+              <a:ext uri="{FF2B5EF4-FFF2-40B4-BE49-F238E27FC236}">
+                <a16:creationId xmlns:a16="http://schemas.microsoft.com/office/drawing/2014/main" id="{6C4CE1DF-54E5-42DC-AAFF-580C2A59313E}"/>
+              </a:ext>
+            </a:extLst>
+          </p:cNvPr>
+          <p:cNvSpPr txBox="1"/>
+          <p:nvPr/>
+        </p:nvSpPr>
+        <p:spPr>
+          <a:xfrm>
+            <a:off x="9927566" y="2888773"/>
+            <a:ext cx="2381075" cy="1938992"/>
+          </a:xfrm>
+          <a:prstGeom prst="rect">
+            <a:avLst/>
+          </a:prstGeom>
+          <a:noFill/>
+        </p:spPr>
+        <p:txBody>
+          <a:bodyPr wrap="square" rtlCol="0">
+            <a:spAutoFit/>
+          </a:bodyPr>
+          <a:lstStyle/>
+          <a:p>
+            <a:r>
+              <a:rPr lang="zh-CN" altLang="en-US" dirty="0">
+                <a:latin typeface="Calibri" pitchFamily="34" charset="0"/>
+              </a:rPr>
+              <a:t>做多</a:t>
+            </a:r>
+            <a:r>
+              <a:rPr lang="en-US" altLang="zh-CN" dirty="0">
+                <a:latin typeface="Calibri" pitchFamily="34" charset="0"/>
+              </a:rPr>
+              <a:t>+</a:t>
+            </a:r>
+            <a:r>
+              <a:rPr lang="zh-CN" altLang="en-US" dirty="0">
+                <a:latin typeface="Calibri" pitchFamily="34" charset="0"/>
+              </a:rPr>
+              <a:t>做空</a:t>
+            </a:r>
+            <a:r>
+              <a:rPr lang="en-US" altLang="zh-CN" dirty="0">
+                <a:latin typeface="Calibri" pitchFamily="34" charset="0"/>
+              </a:rPr>
+              <a:t> </a:t>
+            </a:r>
+          </a:p>
+          <a:p>
+            <a:r>
+              <a:rPr lang="zh-CN" altLang="en-US" dirty="0">
+                <a:latin typeface="Calibri" pitchFamily="34" charset="0"/>
+              </a:rPr>
+              <a:t>年化收益 </a:t>
+            </a:r>
+            <a:r>
+              <a:rPr lang="en-US" altLang="zh-CN" dirty="0">
+                <a:latin typeface="Calibri" pitchFamily="34" charset="0"/>
+              </a:rPr>
+              <a:t>9.62%</a:t>
+            </a:r>
+          </a:p>
+          <a:p>
+            <a:r>
+              <a:rPr lang="zh-CN" altLang="en-US" dirty="0">
+                <a:latin typeface="Calibri" pitchFamily="34" charset="0"/>
+              </a:rPr>
+              <a:t>         超额 </a:t>
+            </a:r>
+            <a:r>
+              <a:rPr lang="en-US" altLang="zh-CN" dirty="0">
+                <a:latin typeface="Calibri" pitchFamily="34" charset="0"/>
+              </a:rPr>
+              <a:t>7.66%</a:t>
+            </a:r>
+          </a:p>
+          <a:p>
+            <a:r>
+              <a:rPr lang="zh-CN" altLang="en-US" dirty="0">
+                <a:latin typeface="Calibri" pitchFamily="34" charset="0"/>
+              </a:rPr>
+              <a:t>超额夏普 </a:t>
+            </a:r>
+            <a:r>
+              <a:rPr lang="en-US" altLang="zh-CN" dirty="0">
+                <a:latin typeface="Calibri" pitchFamily="34" charset="0"/>
+              </a:rPr>
+              <a:t>0.47</a:t>
+            </a:r>
+          </a:p>
+          <a:p>
+            <a:r>
+              <a:rPr lang="zh-CN" altLang="en-US" dirty="0">
+                <a:latin typeface="Calibri" pitchFamily="34" charset="0"/>
+              </a:rPr>
+              <a:t>最大回撤 </a:t>
+            </a:r>
+            <a:r>
+              <a:rPr lang="en-US" altLang="zh-CN" dirty="0">
+                <a:latin typeface="Calibri" pitchFamily="34" charset="0"/>
+              </a:rPr>
+              <a:t>26.2%</a:t>
+            </a:r>
+            <a:endParaRPr lang="zh-CN" altLang="en-US" dirty="0">
+              <a:latin typeface="Calibri" pitchFamily="34" charset="0"/>
+            </a:endParaRPr>
+          </a:p>
+        </p:txBody>
+      </p:sp>
+      <p:sp>
+        <p:nvSpPr>
+          <p:cNvPr id="10" name="文本框 9">
+            <a:extLst>
+              <a:ext uri="{FF2B5EF4-FFF2-40B4-BE49-F238E27FC236}">
+                <a16:creationId xmlns:a16="http://schemas.microsoft.com/office/drawing/2014/main" id="{5BC032E0-E940-44DD-8E72-ACA715833EDC}"/>
+              </a:ext>
+            </a:extLst>
+          </p:cNvPr>
+          <p:cNvSpPr txBox="1"/>
+          <p:nvPr/>
+        </p:nvSpPr>
+        <p:spPr>
+          <a:xfrm>
+            <a:off x="9906000" y="304800"/>
+            <a:ext cx="2381074" cy="2616101"/>
+          </a:xfrm>
+          <a:prstGeom prst="rect">
+            <a:avLst/>
+          </a:prstGeom>
+          <a:noFill/>
+        </p:spPr>
+        <p:txBody>
+          <a:bodyPr wrap="square" rtlCol="0">
+            <a:spAutoFit/>
+          </a:bodyPr>
+          <a:lstStyle/>
+          <a:p>
+            <a:r>
+              <a:rPr lang="zh-CN" altLang="en-US" dirty="0">
+                <a:solidFill>
+                  <a:schemeClr val="bg1">
+                    <a:lumMod val="50000"/>
+                  </a:schemeClr>
+                </a:solidFill>
+                <a:latin typeface="Calibri" pitchFamily="34" charset="0"/>
+              </a:rPr>
+              <a:t>未做空数据</a:t>
+            </a:r>
+            <a:endParaRPr lang="en-US" altLang="zh-CN" dirty="0">
+              <a:solidFill>
+                <a:schemeClr val="bg1">
+                  <a:lumMod val="50000"/>
+                </a:schemeClr>
+              </a:solidFill>
+              <a:latin typeface="Calibri" pitchFamily="34" charset="0"/>
+            </a:endParaRPr>
+          </a:p>
+          <a:p>
+            <a:r>
+              <a:rPr lang="zh-CN" altLang="en-US" dirty="0">
+                <a:solidFill>
+                  <a:schemeClr val="bg1">
+                    <a:lumMod val="50000"/>
+                  </a:schemeClr>
+                </a:solidFill>
+                <a:latin typeface="Calibri" pitchFamily="34" charset="0"/>
+              </a:rPr>
+              <a:t>年化收益 </a:t>
+            </a:r>
+            <a:r>
+              <a:rPr lang="en-US" altLang="zh-CN" dirty="0">
+                <a:solidFill>
+                  <a:schemeClr val="bg1">
+                    <a:lumMod val="50000"/>
+                  </a:schemeClr>
+                </a:solidFill>
+                <a:latin typeface="Calibri" pitchFamily="34" charset="0"/>
+              </a:rPr>
+              <a:t>6.98%</a:t>
+            </a:r>
+          </a:p>
+          <a:p>
+            <a:r>
+              <a:rPr lang="en-US" altLang="zh-CN" dirty="0">
+                <a:solidFill>
+                  <a:schemeClr val="bg1">
+                    <a:lumMod val="50000"/>
+                  </a:schemeClr>
+                </a:solidFill>
+                <a:latin typeface="Calibri" pitchFamily="34" charset="0"/>
+              </a:rPr>
+              <a:t>         </a:t>
+            </a:r>
+            <a:r>
+              <a:rPr lang="zh-CN" altLang="en-US" dirty="0">
+                <a:solidFill>
+                  <a:schemeClr val="bg1">
+                    <a:lumMod val="50000"/>
+                  </a:schemeClr>
+                </a:solidFill>
+                <a:latin typeface="Calibri" pitchFamily="34" charset="0"/>
+              </a:rPr>
+              <a:t>超额 </a:t>
+            </a:r>
+            <a:r>
+              <a:rPr lang="en-US" altLang="zh-CN" dirty="0">
+                <a:solidFill>
+                  <a:schemeClr val="bg1">
+                    <a:lumMod val="50000"/>
+                  </a:schemeClr>
+                </a:solidFill>
+                <a:latin typeface="Calibri" pitchFamily="34" charset="0"/>
+              </a:rPr>
+              <a:t>5.02%</a:t>
+            </a:r>
+          </a:p>
+          <a:p>
+            <a:r>
+              <a:rPr lang="zh-CN" altLang="en-US" dirty="0">
+                <a:solidFill>
+                  <a:schemeClr val="bg1">
+                    <a:lumMod val="50000"/>
+                  </a:schemeClr>
+                </a:solidFill>
+                <a:latin typeface="Calibri" pitchFamily="34" charset="0"/>
+              </a:rPr>
+              <a:t>     夏普比 </a:t>
+            </a:r>
+            <a:r>
+              <a:rPr lang="en-US" altLang="zh-CN" dirty="0">
+                <a:solidFill>
+                  <a:schemeClr val="bg1">
+                    <a:lumMod val="50000"/>
+                  </a:schemeClr>
+                </a:solidFill>
+                <a:latin typeface="Calibri" pitchFamily="34" charset="0"/>
+              </a:rPr>
+              <a:t>0.4</a:t>
+            </a:r>
+          </a:p>
+          <a:p>
+            <a:r>
+              <a:rPr lang="zh-CN" altLang="en-US" dirty="0">
+                <a:solidFill>
+                  <a:schemeClr val="bg1">
+                    <a:lumMod val="50000"/>
+                  </a:schemeClr>
+                </a:solidFill>
+                <a:latin typeface="Calibri" pitchFamily="34" charset="0"/>
+              </a:rPr>
+              <a:t>最大回撤 </a:t>
+            </a:r>
+            <a:r>
+              <a:rPr lang="en-US" altLang="zh-CN" dirty="0">
+                <a:solidFill>
+                  <a:schemeClr val="bg1">
+                    <a:lumMod val="50000"/>
+                  </a:schemeClr>
+                </a:solidFill>
+                <a:latin typeface="Calibri" pitchFamily="34" charset="0"/>
+              </a:rPr>
+              <a:t>26.3%</a:t>
+            </a:r>
+          </a:p>
+          <a:p>
+            <a:r>
+              <a:rPr lang="en-US" altLang="zh-CN" sz="2000" b="0" dirty="0">
+                <a:latin typeface="Calibri" pitchFamily="34" charset="0"/>
+              </a:rPr>
+              <a:t>*</a:t>
+            </a:r>
+            <a:r>
+              <a:rPr lang="zh-CN" altLang="en-US" sz="2000" b="0" dirty="0">
+                <a:latin typeface="Calibri" pitchFamily="34" charset="0"/>
+              </a:rPr>
+              <a:t>回测尺度</a:t>
+            </a:r>
+            <a:endParaRPr lang="en-US" altLang="zh-CN" sz="2000" b="0" dirty="0">
+              <a:latin typeface="Calibri" pitchFamily="34" charset="0"/>
+            </a:endParaRPr>
+          </a:p>
+          <a:p>
+            <a:r>
+              <a:rPr lang="en-US" altLang="zh-CN" sz="2000" b="0" i="1" dirty="0">
+                <a:latin typeface="Calibri" pitchFamily="34" charset="0"/>
+              </a:rPr>
+              <a:t>2010</a:t>
+            </a:r>
+            <a:r>
+              <a:rPr lang="en-US" altLang="zh-CN" sz="2000" b="0" dirty="0">
+                <a:latin typeface="Calibri" pitchFamily="34" charset="0"/>
+              </a:rPr>
+              <a:t>~2023</a:t>
+            </a:r>
+            <a:endParaRPr lang="zh-CN" altLang="en-US" b="0" dirty="0">
+              <a:latin typeface="Calibri" pitchFamily="34" charset="0"/>
+            </a:endParaRPr>
+          </a:p>
+        </p:txBody>
+      </p:sp>
+    </p:spTree>
+    <p:extLst>
+      <p:ext uri="{BB962C8B-B14F-4D97-AF65-F5344CB8AC3E}">
+        <p14:creationId xmlns:p14="http://schemas.microsoft.com/office/powerpoint/2010/main" val="1166091200"/>
       </p:ext>
     </p:extLst>
   </p:cSld>
@@ -5173,7 +5451,7 @@
           <p:cNvPr id="2" name="标题 1">
             <a:extLst>
               <a:ext uri="{FF2B5EF4-FFF2-40B4-BE49-F238E27FC236}">
-                <a16:creationId xmlns:a16="http://schemas.microsoft.com/office/drawing/2014/main" id="{440A0196-AA69-4A74-BDCE-29069F34C932}"/>
+                <a16:creationId xmlns:a16="http://schemas.microsoft.com/office/drawing/2014/main" id="{8E00ADAA-67B5-4A1C-A9EF-97D3FD3A4A32}"/>
               </a:ext>
             </a:extLst>
           </p:cNvPr>
@@ -5184,400 +5462,91 @@
             <p:ph type="title"/>
           </p:nvPr>
         </p:nvSpPr>
-        <p:spPr>
-          <a:xfrm>
-            <a:off x="323625" y="435678"/>
-            <a:ext cx="10122791" cy="762000"/>
-          </a:xfrm>
-        </p:spPr>
+        <p:spPr/>
         <p:txBody>
           <a:bodyPr/>
           <a:lstStyle/>
           <a:p>
-            <a:endParaRPr lang="zh-CN" altLang="en-US"/>
-          </a:p>
-        </p:txBody>
-      </p:sp>
-      <p:pic>
-        <p:nvPicPr>
-          <p:cNvPr id="6" name="内容占位符 5">
-            <a:extLst>
-              <a:ext uri="{FF2B5EF4-FFF2-40B4-BE49-F238E27FC236}">
-                <a16:creationId xmlns:a16="http://schemas.microsoft.com/office/drawing/2014/main" id="{663853E4-52F8-4036-A59B-2CE7C08902A4}"/>
-              </a:ext>
-            </a:extLst>
-          </p:cNvPr>
-          <p:cNvPicPr>
-            <a:picLocks noGrp="1" noChangeAspect="1"/>
-          </p:cNvPicPr>
-          <p:nvPr>
-            <p:ph idx="1"/>
-          </p:nvPr>
-        </p:nvPicPr>
-        <p:blipFill>
-          <a:blip r:embed="rId2">
-            <a:extLst>
-              <a:ext uri="{28A0092B-C50C-407E-A947-70E740481C1C}">
-                <a14:useLocalDpi xmlns:a14="http://schemas.microsoft.com/office/drawing/2010/main" val="0"/>
-              </a:ext>
-            </a:extLst>
-          </a:blip>
-          <a:stretch>
-            <a:fillRect/>
-          </a:stretch>
-        </p:blipFill>
-        <p:spPr>
-          <a:xfrm>
-            <a:off x="-1086025" y="256669"/>
-            <a:ext cx="12078050" cy="3019511"/>
-          </a:xfrm>
-        </p:spPr>
-      </p:pic>
-      <p:pic>
-        <p:nvPicPr>
-          <p:cNvPr id="8" name="图片 7">
-            <a:extLst>
-              <a:ext uri="{FF2B5EF4-FFF2-40B4-BE49-F238E27FC236}">
-                <a16:creationId xmlns:a16="http://schemas.microsoft.com/office/drawing/2014/main" id="{E9FC68B7-1249-444D-84ED-0A3BD62E256F}"/>
-              </a:ext>
-            </a:extLst>
-          </p:cNvPr>
-          <p:cNvPicPr>
-            <a:picLocks noChangeAspect="1"/>
-          </p:cNvPicPr>
-          <p:nvPr/>
-        </p:nvPicPr>
-        <p:blipFill>
-          <a:blip r:embed="rId3">
-            <a:extLst>
-              <a:ext uri="{28A0092B-C50C-407E-A947-70E740481C1C}">
-                <a14:useLocalDpi xmlns:a14="http://schemas.microsoft.com/office/drawing/2010/main" val="0"/>
-              </a:ext>
-            </a:extLst>
-          </a:blip>
-          <a:stretch>
-            <a:fillRect/>
-          </a:stretch>
-        </p:blipFill>
-        <p:spPr>
-          <a:xfrm>
-            <a:off x="-1194759" y="3345660"/>
-            <a:ext cx="12192000" cy="3048000"/>
-          </a:xfrm>
-          <a:prstGeom prst="rect">
-            <a:avLst/>
-          </a:prstGeom>
-        </p:spPr>
-      </p:pic>
-      <p:sp>
-        <p:nvSpPr>
-          <p:cNvPr id="9" name="文本框 8">
-            <a:extLst>
-              <a:ext uri="{FF2B5EF4-FFF2-40B4-BE49-F238E27FC236}">
-                <a16:creationId xmlns:a16="http://schemas.microsoft.com/office/drawing/2014/main" id="{6C4CE1DF-54E5-42DC-AAFF-580C2A59313E}"/>
-              </a:ext>
-            </a:extLst>
-          </p:cNvPr>
-          <p:cNvSpPr txBox="1"/>
-          <p:nvPr/>
-        </p:nvSpPr>
-        <p:spPr>
-          <a:xfrm>
-            <a:off x="9927566" y="3796033"/>
-            <a:ext cx="2381075" cy="1938992"/>
-          </a:xfrm>
-          <a:prstGeom prst="rect">
-            <a:avLst/>
-          </a:prstGeom>
-          <a:noFill/>
-        </p:spPr>
-        <p:txBody>
-          <a:bodyPr wrap="square" rtlCol="0">
-            <a:spAutoFit/>
-          </a:bodyPr>
-          <a:lstStyle/>
-          <a:p>
-            <a:r>
-              <a:rPr lang="zh-CN" altLang="en-US" dirty="0">
-                <a:latin typeface="Calibri" pitchFamily="34" charset="0"/>
-              </a:rPr>
-              <a:t>做多</a:t>
-            </a:r>
-            <a:r>
-              <a:rPr lang="en-US" altLang="zh-CN" dirty="0">
-                <a:latin typeface="Calibri" pitchFamily="34" charset="0"/>
-              </a:rPr>
-              <a:t>+</a:t>
-            </a:r>
-            <a:r>
-              <a:rPr lang="zh-CN" altLang="en-US" dirty="0">
-                <a:latin typeface="Calibri" pitchFamily="34" charset="0"/>
-              </a:rPr>
-              <a:t>做空</a:t>
-            </a:r>
-            <a:r>
-              <a:rPr lang="en-US" altLang="zh-CN" dirty="0">
-                <a:latin typeface="Calibri" pitchFamily="34" charset="0"/>
-              </a:rPr>
-              <a:t> </a:t>
-            </a:r>
-          </a:p>
-          <a:p>
-            <a:r>
-              <a:rPr lang="zh-CN" altLang="en-US" dirty="0">
-                <a:latin typeface="Calibri" pitchFamily="34" charset="0"/>
-              </a:rPr>
-              <a:t>年化收益 </a:t>
-            </a:r>
-            <a:r>
-              <a:rPr lang="en-US" altLang="zh-CN" dirty="0">
-                <a:latin typeface="Calibri" pitchFamily="34" charset="0"/>
-              </a:rPr>
-              <a:t>9.62%</a:t>
-            </a:r>
-          </a:p>
-          <a:p>
-            <a:r>
-              <a:rPr lang="zh-CN" altLang="en-US" dirty="0">
-                <a:latin typeface="Calibri" pitchFamily="34" charset="0"/>
-              </a:rPr>
-              <a:t>         超额 </a:t>
-            </a:r>
-            <a:r>
-              <a:rPr lang="en-US" altLang="zh-CN" dirty="0">
-                <a:latin typeface="Calibri" pitchFamily="34" charset="0"/>
-              </a:rPr>
-              <a:t>7.66%</a:t>
-            </a:r>
-          </a:p>
-          <a:p>
-            <a:r>
-              <a:rPr lang="zh-CN" altLang="en-US" dirty="0">
-                <a:latin typeface="Calibri" pitchFamily="34" charset="0"/>
-              </a:rPr>
-              <a:t>超额夏普 </a:t>
-            </a:r>
-            <a:r>
-              <a:rPr lang="en-US" altLang="zh-CN" dirty="0">
-                <a:latin typeface="Calibri" pitchFamily="34" charset="0"/>
-              </a:rPr>
-              <a:t>0.47</a:t>
-            </a:r>
-          </a:p>
-          <a:p>
-            <a:r>
-              <a:rPr lang="zh-CN" altLang="en-US" dirty="0">
-                <a:latin typeface="Calibri" pitchFamily="34" charset="0"/>
-              </a:rPr>
-              <a:t>最大回撤 </a:t>
-            </a:r>
-            <a:r>
-              <a:rPr lang="en-US" altLang="zh-CN" dirty="0">
-                <a:latin typeface="Calibri" pitchFamily="34" charset="0"/>
-              </a:rPr>
-              <a:t>26.2%</a:t>
-            </a:r>
-            <a:endParaRPr lang="zh-CN" altLang="en-US" dirty="0">
-              <a:latin typeface="Calibri" pitchFamily="34" charset="0"/>
-            </a:endParaRPr>
+            <a:r>
+              <a:rPr lang="zh-CN" altLang="en-US" dirty="0"/>
+              <a:t>能否进一步优化策略？</a:t>
+            </a:r>
           </a:p>
         </p:txBody>
       </p:sp>
       <p:sp>
         <p:nvSpPr>
-          <p:cNvPr id="10" name="文本框 9">
+          <p:cNvPr id="3" name="内容占位符 2">
             <a:extLst>
               <a:ext uri="{FF2B5EF4-FFF2-40B4-BE49-F238E27FC236}">
-                <a16:creationId xmlns:a16="http://schemas.microsoft.com/office/drawing/2014/main" id="{5BC032E0-E940-44DD-8E72-ACA715833EDC}"/>
+                <a16:creationId xmlns:a16="http://schemas.microsoft.com/office/drawing/2014/main" id="{3FDCD526-0902-489F-8FA5-79F21786C817}"/>
               </a:ext>
             </a:extLst>
           </p:cNvPr>
-          <p:cNvSpPr txBox="1"/>
-          <p:nvPr/>
+          <p:cNvSpPr>
+            <a:spLocks noGrp="1"/>
+          </p:cNvSpPr>
+          <p:nvPr>
+            <p:ph idx="1"/>
+          </p:nvPr>
         </p:nvSpPr>
-        <p:spPr>
-          <a:xfrm>
-            <a:off x="9906000" y="685800"/>
-            <a:ext cx="2381074" cy="2616101"/>
-          </a:xfrm>
-          <a:prstGeom prst="rect">
-            <a:avLst/>
-          </a:prstGeom>
-          <a:noFill/>
-        </p:spPr>
+        <p:spPr/>
         <p:txBody>
-          <a:bodyPr wrap="square" rtlCol="0">
-            <a:spAutoFit/>
-          </a:bodyPr>
+          <a:bodyPr/>
           <a:lstStyle/>
           <a:p>
             <a:r>
-              <a:rPr lang="zh-CN" altLang="en-US" dirty="0">
-                <a:solidFill>
-                  <a:schemeClr val="bg1">
-                    <a:lumMod val="50000"/>
-                  </a:schemeClr>
-                </a:solidFill>
-                <a:latin typeface="Calibri" pitchFamily="34" charset="0"/>
-              </a:rPr>
-              <a:t>未做空</a:t>
-            </a:r>
-            <a:endParaRPr lang="en-US" altLang="zh-CN" dirty="0">
-              <a:solidFill>
-                <a:schemeClr val="bg1">
-                  <a:lumMod val="50000"/>
-                </a:schemeClr>
-              </a:solidFill>
-              <a:latin typeface="Calibri" pitchFamily="34" charset="0"/>
-            </a:endParaRPr>
-          </a:p>
-          <a:p>
-            <a:r>
-              <a:rPr lang="zh-CN" altLang="en-US" dirty="0">
-                <a:solidFill>
-                  <a:schemeClr val="bg1">
-                    <a:lumMod val="50000"/>
-                  </a:schemeClr>
-                </a:solidFill>
-                <a:latin typeface="Calibri" pitchFamily="34" charset="0"/>
-              </a:rPr>
-              <a:t>年化收益 </a:t>
-            </a:r>
-            <a:r>
-              <a:rPr lang="en-US" altLang="zh-CN" dirty="0">
-                <a:solidFill>
-                  <a:schemeClr val="bg1">
-                    <a:lumMod val="50000"/>
-                  </a:schemeClr>
-                </a:solidFill>
-                <a:latin typeface="Calibri" pitchFamily="34" charset="0"/>
-              </a:rPr>
-              <a:t>6.98%</a:t>
-            </a:r>
-          </a:p>
-          <a:p>
-            <a:r>
-              <a:rPr lang="en-US" altLang="zh-CN" dirty="0">
-                <a:solidFill>
-                  <a:schemeClr val="bg1">
-                    <a:lumMod val="50000"/>
-                  </a:schemeClr>
-                </a:solidFill>
-                <a:latin typeface="Calibri" pitchFamily="34" charset="0"/>
-              </a:rPr>
-              <a:t>         </a:t>
-            </a:r>
-            <a:r>
-              <a:rPr lang="zh-CN" altLang="en-US" dirty="0">
-                <a:solidFill>
-                  <a:schemeClr val="bg1">
-                    <a:lumMod val="50000"/>
-                  </a:schemeClr>
-                </a:solidFill>
-                <a:latin typeface="Calibri" pitchFamily="34" charset="0"/>
-              </a:rPr>
-              <a:t>超额 </a:t>
-            </a:r>
-            <a:r>
-              <a:rPr lang="en-US" altLang="zh-CN" dirty="0">
-                <a:solidFill>
-                  <a:schemeClr val="bg1">
-                    <a:lumMod val="50000"/>
-                  </a:schemeClr>
-                </a:solidFill>
-                <a:latin typeface="Calibri" pitchFamily="34" charset="0"/>
-              </a:rPr>
-              <a:t>5.02%</a:t>
-            </a:r>
-          </a:p>
-          <a:p>
-            <a:r>
-              <a:rPr lang="zh-CN" altLang="en-US" dirty="0">
-                <a:solidFill>
-                  <a:schemeClr val="bg1">
-                    <a:lumMod val="50000"/>
-                  </a:schemeClr>
-                </a:solidFill>
-                <a:latin typeface="Calibri" pitchFamily="34" charset="0"/>
-              </a:rPr>
-              <a:t>     夏普比 </a:t>
-            </a:r>
-            <a:r>
-              <a:rPr lang="en-US" altLang="zh-CN" dirty="0">
-                <a:solidFill>
-                  <a:schemeClr val="bg1">
-                    <a:lumMod val="50000"/>
-                  </a:schemeClr>
-                </a:solidFill>
-                <a:latin typeface="Calibri" pitchFamily="34" charset="0"/>
-              </a:rPr>
-              <a:t>0.4</a:t>
-            </a:r>
-          </a:p>
-          <a:p>
-            <a:r>
-              <a:rPr lang="zh-CN" altLang="en-US" dirty="0">
-                <a:solidFill>
-                  <a:schemeClr val="bg1">
-                    <a:lumMod val="50000"/>
-                  </a:schemeClr>
-                </a:solidFill>
-                <a:latin typeface="Calibri" pitchFamily="34" charset="0"/>
-              </a:rPr>
-              <a:t>最大回撤 </a:t>
-            </a:r>
-            <a:r>
-              <a:rPr lang="en-US" altLang="zh-CN" dirty="0">
-                <a:solidFill>
-                  <a:schemeClr val="bg1">
-                    <a:lumMod val="50000"/>
-                  </a:schemeClr>
-                </a:solidFill>
-                <a:latin typeface="Calibri" pitchFamily="34" charset="0"/>
-              </a:rPr>
-              <a:t>26.3%</a:t>
-            </a:r>
-          </a:p>
-          <a:p>
-            <a:r>
-              <a:rPr lang="en-US" altLang="zh-CN" sz="2000" b="0" dirty="0">
-                <a:latin typeface="Calibri" pitchFamily="34" charset="0"/>
-              </a:rPr>
-              <a:t>*</a:t>
-            </a:r>
-            <a:r>
-              <a:rPr lang="zh-CN" altLang="en-US" sz="2000" b="0" dirty="0">
-                <a:latin typeface="Calibri" pitchFamily="34" charset="0"/>
-              </a:rPr>
-              <a:t>回测尺度</a:t>
-            </a:r>
-            <a:endParaRPr lang="en-US" altLang="zh-CN" sz="2000" b="0" dirty="0">
-              <a:latin typeface="Calibri" pitchFamily="34" charset="0"/>
-            </a:endParaRPr>
-          </a:p>
-          <a:p>
-            <a:r>
-              <a:rPr lang="en-US" altLang="zh-CN" sz="2000" b="0" i="1" dirty="0">
-                <a:latin typeface="Calibri" pitchFamily="34" charset="0"/>
-              </a:rPr>
-              <a:t>2010</a:t>
-            </a:r>
-            <a:r>
-              <a:rPr lang="en-US" altLang="zh-CN" sz="2000" b="0" dirty="0">
-                <a:latin typeface="Calibri" pitchFamily="34" charset="0"/>
-              </a:rPr>
-              <a:t>~2023</a:t>
-            </a:r>
-            <a:endParaRPr lang="zh-CN" altLang="en-US" b="0" dirty="0">
-              <a:latin typeface="Calibri" pitchFamily="34" charset="0"/>
-            </a:endParaRPr>
+              <a:rPr lang="zh-CN" altLang="en-US" b="0" dirty="0"/>
+              <a:t>思考：市场可以分为趋势</a:t>
+            </a:r>
+            <a:r>
+              <a:rPr lang="en-US" altLang="zh-CN" b="0" dirty="0"/>
+              <a:t>+</a:t>
+            </a:r>
+            <a:r>
+              <a:rPr lang="zh-CN" altLang="en-US" b="0" dirty="0"/>
+              <a:t>波动</a:t>
+            </a:r>
+            <a:endParaRPr lang="en-US" altLang="zh-CN" b="0" dirty="0"/>
+          </a:p>
+          <a:p>
+            <a:r>
+              <a:rPr lang="zh-CN" altLang="en-US" b="0" dirty="0"/>
+              <a:t>传统</a:t>
+            </a:r>
+            <a:r>
+              <a:rPr lang="en-US" altLang="zh-CN" b="0" dirty="0" err="1"/>
+              <a:t>bolling</a:t>
+            </a:r>
+            <a:r>
+              <a:rPr lang="zh-CN" altLang="en-US" b="0" dirty="0"/>
+              <a:t>直接计算波动，将大趋势也计算进去了</a:t>
+            </a:r>
+            <a:endParaRPr lang="en-US" altLang="zh-CN" b="0" dirty="0"/>
+          </a:p>
+          <a:p>
+            <a:endParaRPr lang="en-US" altLang="zh-CN" b="0" dirty="0"/>
+          </a:p>
+          <a:p>
+            <a:r>
+              <a:rPr lang="zh-CN" altLang="en-US" b="0" dirty="0"/>
+              <a:t>如果能将</a:t>
+            </a:r>
+            <a:r>
+              <a:rPr lang="zh-CN" altLang="en-US" dirty="0"/>
+              <a:t>趋势排除</a:t>
+            </a:r>
+            <a:r>
+              <a:rPr lang="zh-CN" altLang="en-US" b="0" dirty="0"/>
+              <a:t>之后计算波动，就能计算出更“准”的布林线！</a:t>
+            </a:r>
           </a:p>
         </p:txBody>
       </p:sp>
     </p:spTree>
     <p:extLst>
       <p:ext uri="{BB962C8B-B14F-4D97-AF65-F5344CB8AC3E}">
-        <p14:creationId xmlns:p14="http://schemas.microsoft.com/office/powerpoint/2010/main" val="1166091200"/>
+        <p14:creationId xmlns:p14="http://schemas.microsoft.com/office/powerpoint/2010/main" val="2481138563"/>
       </p:ext>
     </p:extLst>
   </p:cSld>
@@ -5609,7 +5578,7 @@
           <p:cNvPr id="2" name="标题 1">
             <a:extLst>
               <a:ext uri="{FF2B5EF4-FFF2-40B4-BE49-F238E27FC236}">
-                <a16:creationId xmlns:a16="http://schemas.microsoft.com/office/drawing/2014/main" id="{9920B236-03EF-4633-BCAC-1BDEA71EE465}"/>
+                <a16:creationId xmlns:a16="http://schemas.microsoft.com/office/drawing/2014/main" id="{9F7908BE-4A92-4719-89FB-5351910AA998}"/>
               </a:ext>
             </a:extLst>
           </p:cNvPr>
@@ -5626,90 +5595,689 @@
           <a:lstStyle/>
           <a:p>
             <a:r>
-              <a:rPr lang="zh-CN" altLang="en-US" dirty="0"/>
-              <a:t>策略优劣势</a:t>
-            </a:r>
+              <a:rPr lang="en-US" altLang="zh-CN" dirty="0"/>
+              <a:t>Magic Bolling</a:t>
+            </a:r>
+            <a:endParaRPr lang="zh-CN" altLang="en-US" dirty="0"/>
           </a:p>
         </p:txBody>
       </p:sp>
-      <p:sp>
-        <p:nvSpPr>
-          <p:cNvPr id="3" name="内容占位符 2">
-            <a:extLst>
-              <a:ext uri="{FF2B5EF4-FFF2-40B4-BE49-F238E27FC236}">
-                <a16:creationId xmlns:a16="http://schemas.microsoft.com/office/drawing/2014/main" id="{45AA8050-CA93-485E-B743-FFEDF67B0B9D}"/>
-              </a:ext>
-            </a:extLst>
-          </p:cNvPr>
-          <p:cNvSpPr>
-            <a:spLocks noGrp="1"/>
-          </p:cNvSpPr>
-          <p:nvPr>
-            <p:ph idx="1"/>
-          </p:nvPr>
-        </p:nvSpPr>
-        <p:spPr/>
-        <p:txBody>
-          <a:bodyPr/>
-          <a:lstStyle/>
-          <a:p>
-            <a:r>
-              <a:rPr lang="zh-CN" altLang="en-US" dirty="0"/>
-              <a:t>优势：参数少，过拟合风险小，更可能在未来市场上持续盈利</a:t>
-            </a:r>
-            <a:endParaRPr lang="en-US" altLang="zh-CN" dirty="0"/>
-          </a:p>
-          <a:p>
-            <a:pPr lvl="1"/>
-            <a:r>
-              <a:rPr lang="zh-CN" altLang="en-US" dirty="0"/>
-              <a:t>简单策略更稳定、鲁棒性更好</a:t>
-            </a:r>
-            <a:endParaRPr lang="en-US" altLang="zh-CN" dirty="0"/>
-          </a:p>
-          <a:p>
-            <a:endParaRPr lang="en-US" altLang="zh-CN" dirty="0"/>
-          </a:p>
-          <a:p>
-            <a:r>
-              <a:rPr lang="zh-CN" altLang="en-US" dirty="0"/>
-              <a:t>劣势：最大回撤略大</a:t>
-            </a:r>
-            <a:endParaRPr lang="en-US" altLang="zh-CN" dirty="0"/>
-          </a:p>
-          <a:p>
-            <a:pPr lvl="1"/>
-            <a:r>
-              <a:rPr lang="zh-CN" altLang="en-US" dirty="0"/>
-              <a:t>最大回撤：从任何时刻开始，总资产的最大</a:t>
-            </a:r>
-            <a:r>
-              <a:rPr lang="zh-CN" altLang="en-US" dirty="0">
-                <a:solidFill>
-                  <a:srgbClr val="339966"/>
-                </a:solidFill>
-              </a:rPr>
-              <a:t>↓</a:t>
-            </a:r>
-            <a:endParaRPr lang="en-US" altLang="zh-CN" dirty="0">
-              <a:solidFill>
-                <a:srgbClr val="339966"/>
-              </a:solidFill>
-            </a:endParaRPr>
-          </a:p>
-          <a:p>
-            <a:pPr lvl="1"/>
-            <a:r>
-              <a:rPr lang="zh-CN" altLang="en-US" dirty="0"/>
-              <a:t>相比复杂策略稍稍损失收益</a:t>
-            </a:r>
-          </a:p>
-        </p:txBody>
-      </p:sp>
+      <mc:AlternateContent xmlns:mc="http://schemas.openxmlformats.org/markup-compatibility/2006" xmlns:a14="http://schemas.microsoft.com/office/drawing/2010/main">
+        <mc:Choice Requires="a14">
+          <p:sp>
+            <p:nvSpPr>
+              <p:cNvPr id="3" name="内容占位符 2">
+                <a:extLst>
+                  <a:ext uri="{FF2B5EF4-FFF2-40B4-BE49-F238E27FC236}">
+                    <a16:creationId xmlns:a16="http://schemas.microsoft.com/office/drawing/2014/main" id="{97AF3489-B594-40CE-A109-D34CF0971FD8}"/>
+                  </a:ext>
+                </a:extLst>
+              </p:cNvPr>
+              <p:cNvSpPr>
+                <a:spLocks noGrp="1"/>
+              </p:cNvSpPr>
+              <p:nvPr>
+                <p:ph idx="1"/>
+              </p:nvPr>
+            </p:nvSpPr>
+            <p:spPr/>
+            <p:txBody>
+              <a:bodyPr/>
+              <a:lstStyle/>
+              <a:p>
+                <a:r>
+                  <a:rPr lang="en-US" altLang="zh-CN" dirty="0"/>
+                  <a:t>Step 1:</a:t>
+                </a:r>
+              </a:p>
+              <a:p>
+                <a:pPr lvl="1"/>
+                <a:r>
+                  <a:rPr lang="zh-CN" altLang="en-US" dirty="0"/>
+                  <a:t>计算近二十天的股价变化趋势</a:t>
+                </a:r>
+                <a:endParaRPr lang="en-US" altLang="zh-CN" dirty="0"/>
+              </a:p>
+              <a:p>
+                <a:pPr lvl="1"/>
+                <a:r>
+                  <a:rPr lang="zh-CN" altLang="en-US" dirty="0"/>
+                  <a:t>最小二乘法拟合 </a:t>
+                </a:r>
+                <a14:m>
+                  <m:oMath xmlns:m="http://schemas.openxmlformats.org/officeDocument/2006/math">
+                    <m:r>
+                      <m:rPr>
+                        <m:sty m:val="p"/>
+                      </m:rPr>
+                      <a:rPr lang="en-US" altLang="zh-CN" b="0" i="0" smtClean="0">
+                        <a:latin typeface="Cambria Math" panose="02040503050406030204" pitchFamily="18" charset="0"/>
+                      </a:rPr>
+                      <m:t>close</m:t>
+                    </m:r>
+                    <m:r>
+                      <a:rPr lang="en-US" altLang="zh-CN" b="0" i="1" smtClean="0">
+                        <a:latin typeface="Cambria Math" panose="02040503050406030204" pitchFamily="18" charset="0"/>
+                      </a:rPr>
+                      <m:t>∼</m:t>
+                    </m:r>
+                    <m:r>
+                      <a:rPr lang="en-US" altLang="zh-CN" b="0" i="1" smtClean="0">
+                        <a:latin typeface="Cambria Math" panose="02040503050406030204" pitchFamily="18" charset="0"/>
+                      </a:rPr>
+                      <m:t>𝑘</m:t>
+                    </m:r>
+                    <m:r>
+                      <a:rPr lang="en-US" altLang="zh-CN" b="0" i="1" smtClean="0">
+                        <a:latin typeface="Cambria Math" panose="02040503050406030204" pitchFamily="18" charset="0"/>
+                      </a:rPr>
+                      <m:t>⋅</m:t>
+                    </m:r>
+                    <m:r>
+                      <a:rPr lang="en-US" altLang="zh-CN" b="0" i="1" smtClean="0">
+                        <a:latin typeface="Cambria Math" panose="02040503050406030204" pitchFamily="18" charset="0"/>
+                      </a:rPr>
+                      <m:t>𝑡</m:t>
+                    </m:r>
+                    <m:r>
+                      <a:rPr lang="en-US" altLang="zh-CN" b="0" i="1" smtClean="0">
+                        <a:latin typeface="Cambria Math" panose="02040503050406030204" pitchFamily="18" charset="0"/>
+                      </a:rPr>
+                      <m:t>+</m:t>
+                    </m:r>
+                    <m:r>
+                      <a:rPr lang="en-US" altLang="zh-CN" b="0" i="1" smtClean="0">
+                        <a:latin typeface="Cambria Math" panose="02040503050406030204" pitchFamily="18" charset="0"/>
+                      </a:rPr>
+                      <m:t>𝑏</m:t>
+                    </m:r>
+                    <m:r>
+                      <a:rPr lang="zh-CN" altLang="en-US" i="1">
+                        <a:latin typeface="Cambria Math" panose="02040503050406030204" pitchFamily="18" charset="0"/>
+                      </a:rPr>
+                      <m:t>，</m:t>
+                    </m:r>
+                    <m:r>
+                      <m:rPr>
+                        <m:sty m:val="p"/>
+                      </m:rPr>
+                      <a:rPr lang="en-US" altLang="zh-CN" b="0" i="0" smtClean="0">
+                        <a:latin typeface="Cambria Math" panose="02040503050406030204" pitchFamily="18" charset="0"/>
+                      </a:rPr>
+                      <m:t>trend</m:t>
+                    </m:r>
+                    <m:r>
+                      <a:rPr lang="en-US" altLang="zh-CN" b="0" i="1" smtClean="0">
+                        <a:latin typeface="Cambria Math" panose="02040503050406030204" pitchFamily="18" charset="0"/>
+                      </a:rPr>
+                      <m:t>≔</m:t>
+                    </m:r>
+                    <m:r>
+                      <a:rPr lang="en-US" altLang="zh-CN" b="0" i="1" smtClean="0">
+                        <a:latin typeface="Cambria Math" panose="02040503050406030204" pitchFamily="18" charset="0"/>
+                      </a:rPr>
+                      <m:t>𝑘</m:t>
+                    </m:r>
+                    <m:r>
+                      <a:rPr lang="en-US" altLang="zh-CN" b="0" i="1" smtClean="0">
+                        <a:latin typeface="Cambria Math" panose="02040503050406030204" pitchFamily="18" charset="0"/>
+                      </a:rPr>
+                      <m:t>⋅</m:t>
+                    </m:r>
+                    <m:r>
+                      <a:rPr lang="en-US" altLang="zh-CN" b="0" i="1" smtClean="0">
+                        <a:latin typeface="Cambria Math" panose="02040503050406030204" pitchFamily="18" charset="0"/>
+                      </a:rPr>
+                      <m:t>𝑡</m:t>
+                    </m:r>
+                    <m:r>
+                      <a:rPr lang="en-US" altLang="zh-CN" b="0" i="1" smtClean="0">
+                        <a:latin typeface="Cambria Math" panose="02040503050406030204" pitchFamily="18" charset="0"/>
+                      </a:rPr>
+                      <m:t>+</m:t>
+                    </m:r>
+                    <m:r>
+                      <a:rPr lang="en-US" altLang="zh-CN" b="0" i="1" smtClean="0">
+                        <a:latin typeface="Cambria Math" panose="02040503050406030204" pitchFamily="18" charset="0"/>
+                      </a:rPr>
+                      <m:t>𝑏</m:t>
+                    </m:r>
+                  </m:oMath>
+                </a14:m>
+                <a:endParaRPr lang="en-US" altLang="zh-CN" dirty="0"/>
+              </a:p>
+              <a:p>
+                <a:pPr lvl="1"/>
+                <a:r>
+                  <a:rPr lang="zh-CN" altLang="en-US" dirty="0"/>
+                  <a:t>扣除趋势</a:t>
+                </a:r>
+                <a14:m>
+                  <m:oMath xmlns:m="http://schemas.openxmlformats.org/officeDocument/2006/math">
+                    <m:acc>
+                      <m:accPr>
+                        <m:chr m:val="̃"/>
+                        <m:ctrlPr>
+                          <a:rPr lang="zh-CN" altLang="en-US" i="1" smtClean="0">
+                            <a:latin typeface="Cambria Math" panose="02040503050406030204" pitchFamily="18" charset="0"/>
+                          </a:rPr>
+                        </m:ctrlPr>
+                      </m:accPr>
+                      <m:e>
+                        <m:r>
+                          <m:rPr>
+                            <m:sty m:val="p"/>
+                          </m:rPr>
+                          <a:rPr lang="en-US" altLang="zh-CN" i="0">
+                            <a:latin typeface="Cambria Math" panose="02040503050406030204" pitchFamily="18" charset="0"/>
+                          </a:rPr>
+                          <m:t>c</m:t>
+                        </m:r>
+                        <m:r>
+                          <m:rPr>
+                            <m:sty m:val="p"/>
+                          </m:rPr>
+                          <a:rPr lang="en-US" altLang="zh-CN" b="0" i="0" smtClean="0">
+                            <a:latin typeface="Cambria Math" panose="02040503050406030204" pitchFamily="18" charset="0"/>
+                          </a:rPr>
+                          <m:t>lose</m:t>
+                        </m:r>
+                      </m:e>
+                    </m:acc>
+                    <m:r>
+                      <a:rPr lang="en-US" altLang="zh-CN" b="0" i="0" smtClean="0">
+                        <a:latin typeface="Cambria Math" panose="02040503050406030204" pitchFamily="18" charset="0"/>
+                      </a:rPr>
+                      <m:t>=</m:t>
+                    </m:r>
+                    <m:r>
+                      <m:rPr>
+                        <m:sty m:val="p"/>
+                      </m:rPr>
+                      <a:rPr lang="en-US" altLang="zh-CN" b="0" i="0" smtClean="0">
+                        <a:latin typeface="Cambria Math" panose="02040503050406030204" pitchFamily="18" charset="0"/>
+                      </a:rPr>
+                      <m:t>close</m:t>
+                    </m:r>
+                    <m:r>
+                      <a:rPr lang="en-US" altLang="zh-CN" b="0" i="0" smtClean="0">
+                        <a:latin typeface="Cambria Math" panose="02040503050406030204" pitchFamily="18" charset="0"/>
+                      </a:rPr>
+                      <m:t>−</m:t>
+                    </m:r>
+                    <m:r>
+                      <m:rPr>
+                        <m:sty m:val="p"/>
+                      </m:rPr>
+                      <a:rPr lang="en-US" altLang="zh-CN" b="0" i="0" smtClean="0">
+                        <a:latin typeface="Cambria Math" panose="02040503050406030204" pitchFamily="18" charset="0"/>
+                      </a:rPr>
+                      <m:t>trend</m:t>
+                    </m:r>
+                  </m:oMath>
+                </a14:m>
+                <a:endParaRPr lang="en-US" altLang="zh-CN" dirty="0"/>
+              </a:p>
+              <a:p>
+                <a:r>
+                  <a:rPr lang="en-US" altLang="zh-CN" dirty="0"/>
+                  <a:t>Step 2:</a:t>
+                </a:r>
+              </a:p>
+              <a:p>
+                <a:pPr lvl="1"/>
+                <a:r>
+                  <a:rPr lang="zh-CN" altLang="en-US" dirty="0"/>
+                  <a:t>计算扣除趋势后的标准差</a:t>
+                </a:r>
+                <a14:m>
+                  <m:oMath xmlns:m="http://schemas.openxmlformats.org/officeDocument/2006/math">
+                    <m:sSub>
+                      <m:sSubPr>
+                        <m:ctrlPr>
+                          <a:rPr lang="en-US" altLang="zh-CN" b="0" i="1" smtClean="0">
+                            <a:latin typeface="Cambria Math" panose="02040503050406030204" pitchFamily="18" charset="0"/>
+                          </a:rPr>
+                        </m:ctrlPr>
+                      </m:sSubPr>
+                      <m:e>
+                        <m:acc>
+                          <m:accPr>
+                            <m:chr m:val="̃"/>
+                            <m:ctrlPr>
+                              <a:rPr lang="en-US" altLang="zh-CN" b="0" i="1" smtClean="0">
+                                <a:latin typeface="Cambria Math" panose="02040503050406030204" pitchFamily="18" charset="0"/>
+                              </a:rPr>
+                            </m:ctrlPr>
+                          </m:accPr>
+                          <m:e>
+                            <m:r>
+                              <m:rPr>
+                                <m:sty m:val="p"/>
+                              </m:rPr>
+                              <a:rPr lang="en-US" altLang="zh-CN" b="0" i="0" smtClean="0">
+                                <a:latin typeface="Cambria Math" panose="02040503050406030204" pitchFamily="18" charset="0"/>
+                              </a:rPr>
+                              <m:t>std</m:t>
+                            </m:r>
+                          </m:e>
+                        </m:acc>
+                      </m:e>
+                      <m:sub>
+                        <m:r>
+                          <a:rPr lang="en-US" altLang="zh-CN" b="0" i="1" smtClean="0">
+                            <a:latin typeface="Cambria Math" panose="02040503050406030204" pitchFamily="18" charset="0"/>
+                          </a:rPr>
+                          <m:t>𝑁</m:t>
+                        </m:r>
+                      </m:sub>
+                    </m:sSub>
+                    <m:r>
+                      <a:rPr lang="en-US" altLang="zh-CN" b="0" i="0" smtClean="0">
+                        <a:latin typeface="Cambria Math" panose="02040503050406030204" pitchFamily="18" charset="0"/>
+                      </a:rPr>
+                      <m:t>=</m:t>
+                    </m:r>
+                    <m:r>
+                      <m:rPr>
+                        <m:sty m:val="p"/>
+                      </m:rPr>
+                      <a:rPr lang="en-US" altLang="zh-CN" b="0" i="0" smtClean="0">
+                        <a:latin typeface="Cambria Math" panose="02040503050406030204" pitchFamily="18" charset="0"/>
+                      </a:rPr>
+                      <m:t>std</m:t>
+                    </m:r>
+                    <m:r>
+                      <a:rPr lang="en-US" altLang="zh-CN" b="0" i="0" smtClean="0">
+                        <a:latin typeface="Cambria Math" panose="02040503050406030204" pitchFamily="18" charset="0"/>
+                      </a:rPr>
+                      <m:t>(</m:t>
+                    </m:r>
+                    <m:sSub>
+                      <m:sSubPr>
+                        <m:ctrlPr>
+                          <a:rPr lang="en-US" altLang="zh-CN" b="0" i="1" smtClean="0">
+                            <a:latin typeface="Cambria Math" panose="02040503050406030204" pitchFamily="18" charset="0"/>
+                          </a:rPr>
+                        </m:ctrlPr>
+                      </m:sSubPr>
+                      <m:e>
+                        <m:acc>
+                          <m:accPr>
+                            <m:chr m:val="̃"/>
+                            <m:ctrlPr>
+                              <a:rPr lang="zh-CN" altLang="en-US" i="1">
+                                <a:latin typeface="Cambria Math" panose="02040503050406030204" pitchFamily="18" charset="0"/>
+                              </a:rPr>
+                            </m:ctrlPr>
+                          </m:accPr>
+                          <m:e>
+                            <m:r>
+                              <m:rPr>
+                                <m:sty m:val="p"/>
+                              </m:rPr>
+                              <a:rPr lang="en-US" altLang="zh-CN" i="0">
+                                <a:latin typeface="Cambria Math" panose="02040503050406030204" pitchFamily="18" charset="0"/>
+                              </a:rPr>
+                              <m:t>close</m:t>
+                            </m:r>
+                          </m:e>
+                        </m:acc>
+                      </m:e>
+                      <m:sub>
+                        <m:r>
+                          <a:rPr lang="en-US" altLang="zh-CN" b="0" i="1" smtClean="0">
+                            <a:latin typeface="Cambria Math" panose="02040503050406030204" pitchFamily="18" charset="0"/>
+                          </a:rPr>
+                          <m:t>𝑁</m:t>
+                        </m:r>
+                      </m:sub>
+                    </m:sSub>
+                    <m:r>
+                      <a:rPr lang="en-US" altLang="zh-CN" b="0" i="0" smtClean="0">
+                        <a:latin typeface="Cambria Math" panose="02040503050406030204" pitchFamily="18" charset="0"/>
+                      </a:rPr>
+                      <m:t>)</m:t>
+                    </m:r>
+                  </m:oMath>
+                </a14:m>
+                <a:endParaRPr lang="en-US" altLang="zh-CN" dirty="0"/>
+              </a:p>
+              <a:p>
+                <a:r>
+                  <a:rPr lang="en-US" altLang="zh-CN" dirty="0"/>
+                  <a:t>Step 3: </a:t>
+                </a:r>
+              </a:p>
+              <a:p>
+                <a:pPr lvl="1"/>
+                <a:r>
+                  <a:rPr lang="zh-CN" altLang="en-US" dirty="0"/>
+                  <a:t>通过均价</a:t>
+                </a:r>
+                <a:r>
+                  <a:rPr lang="en-US" altLang="zh-CN" dirty="0"/>
+                  <a:t>±</a:t>
+                </a:r>
+                <a:r>
+                  <a:rPr lang="zh-CN" altLang="en-US" dirty="0"/>
+                  <a:t>标准差计算</a:t>
+                </a:r>
+                <a:r>
+                  <a:rPr lang="en-US" altLang="zh-CN" dirty="0"/>
+                  <a:t>magic </a:t>
+                </a:r>
+                <a:r>
+                  <a:rPr lang="en-US" altLang="zh-CN" dirty="0" err="1"/>
+                  <a:t>bolling</a:t>
+                </a:r>
+                <a:endParaRPr lang="en-US" altLang="zh-CN" dirty="0"/>
+              </a:p>
+              <a:p>
+                <a:pPr lvl="1"/>
+                <a14:m>
+                  <m:oMath xmlns:m="http://schemas.openxmlformats.org/officeDocument/2006/math">
+                    <m:r>
+                      <m:rPr>
+                        <m:sty m:val="p"/>
+                      </m:rPr>
+                      <a:rPr lang="en-US" altLang="zh-CN" b="0" smtClean="0">
+                        <a:latin typeface="Cambria Math" panose="02040503050406030204" pitchFamily="18" charset="0"/>
+                      </a:rPr>
+                      <m:t>mid</m:t>
+                    </m:r>
+                    <m:r>
+                      <a:rPr lang="en-US" altLang="zh-CN" b="0">
+                        <a:latin typeface="Cambria Math" panose="02040503050406030204" pitchFamily="18" charset="0"/>
+                      </a:rPr>
+                      <m:t>=</m:t>
+                    </m:r>
+                    <m:r>
+                      <m:rPr>
+                        <m:sty m:val="p"/>
+                      </m:rPr>
+                      <a:rPr lang="en-US" altLang="zh-CN" b="0">
+                        <a:latin typeface="Cambria Math" panose="02040503050406030204" pitchFamily="18" charset="0"/>
+                      </a:rPr>
+                      <m:t>SMA</m:t>
+                    </m:r>
+                    <m:r>
+                      <a:rPr lang="en-US" altLang="zh-CN" b="0">
+                        <a:latin typeface="Cambria Math" panose="02040503050406030204" pitchFamily="18" charset="0"/>
+                      </a:rPr>
+                      <m:t>(</m:t>
+                    </m:r>
+                    <m:r>
+                      <a:rPr lang="en-US" altLang="zh-CN" b="0" i="1">
+                        <a:latin typeface="Cambria Math" panose="02040503050406030204" pitchFamily="18" charset="0"/>
+                      </a:rPr>
+                      <m:t>𝑁</m:t>
+                    </m:r>
+                    <m:r>
+                      <a:rPr lang="en-US" altLang="zh-CN" b="0">
+                        <a:latin typeface="Cambria Math" panose="02040503050406030204" pitchFamily="18" charset="0"/>
+                      </a:rPr>
+                      <m:t>)</m:t>
+                    </m:r>
+                  </m:oMath>
+                </a14:m>
+                <a:endParaRPr lang="en-US" altLang="zh-CN" b="0" dirty="0"/>
+              </a:p>
+              <a:p>
+                <a:pPr lvl="1"/>
+                <a14:m>
+                  <m:oMath xmlns:m="http://schemas.openxmlformats.org/officeDocument/2006/math">
+                    <m:acc>
+                      <m:accPr>
+                        <m:chr m:val="̃"/>
+                        <m:ctrlPr>
+                          <a:rPr lang="en-US" altLang="zh-CN" b="0" i="1" smtClean="0">
+                            <a:latin typeface="Cambria Math" panose="02040503050406030204" pitchFamily="18" charset="0"/>
+                          </a:rPr>
+                        </m:ctrlPr>
+                      </m:accPr>
+                      <m:e>
+                        <m:r>
+                          <m:rPr>
+                            <m:sty m:val="p"/>
+                          </m:rPr>
+                          <a:rPr lang="en-US" altLang="zh-CN" b="0" i="0" smtClean="0">
+                            <a:latin typeface="Cambria Math" panose="02040503050406030204" pitchFamily="18" charset="0"/>
+                          </a:rPr>
+                          <m:t>up</m:t>
+                        </m:r>
+                      </m:e>
+                    </m:acc>
+                    <m:r>
+                      <a:rPr lang="en-US" altLang="zh-CN" b="0">
+                        <a:latin typeface="Cambria Math" panose="02040503050406030204" pitchFamily="18" charset="0"/>
+                      </a:rPr>
+                      <m:t>=</m:t>
+                    </m:r>
+                    <m:r>
+                      <m:rPr>
+                        <m:sty m:val="p"/>
+                      </m:rPr>
+                      <a:rPr lang="en-US" altLang="zh-CN" b="0">
+                        <a:latin typeface="Cambria Math" panose="02040503050406030204" pitchFamily="18" charset="0"/>
+                      </a:rPr>
+                      <m:t>mid</m:t>
+                    </m:r>
+                    <m:r>
+                      <a:rPr lang="en-US" altLang="zh-CN" b="0">
+                        <a:latin typeface="Cambria Math" panose="02040503050406030204" pitchFamily="18" charset="0"/>
+                      </a:rPr>
+                      <m:t>+</m:t>
+                    </m:r>
+                    <m:r>
+                      <a:rPr lang="en-US" altLang="zh-CN" b="0" i="1">
+                        <a:latin typeface="Cambria Math" panose="02040503050406030204" pitchFamily="18" charset="0"/>
+                      </a:rPr>
+                      <m:t>𝑀</m:t>
+                    </m:r>
+                    <m:r>
+                      <a:rPr lang="en-US" altLang="zh-CN" b="0">
+                        <a:latin typeface="Cambria Math" panose="02040503050406030204" pitchFamily="18" charset="0"/>
+                      </a:rPr>
+                      <m:t>⋅</m:t>
+                    </m:r>
+                    <m:sSub>
+                      <m:sSubPr>
+                        <m:ctrlPr>
+                          <a:rPr lang="en-US" altLang="zh-CN" i="1">
+                            <a:latin typeface="Cambria Math" panose="02040503050406030204" pitchFamily="18" charset="0"/>
+                          </a:rPr>
+                        </m:ctrlPr>
+                      </m:sSubPr>
+                      <m:e>
+                        <m:acc>
+                          <m:accPr>
+                            <m:chr m:val="̃"/>
+                            <m:ctrlPr>
+                              <a:rPr lang="en-US" altLang="zh-CN" i="1">
+                                <a:latin typeface="Cambria Math" panose="02040503050406030204" pitchFamily="18" charset="0"/>
+                              </a:rPr>
+                            </m:ctrlPr>
+                          </m:accPr>
+                          <m:e>
+                            <m:r>
+                              <m:rPr>
+                                <m:sty m:val="p"/>
+                              </m:rPr>
+                              <a:rPr lang="en-US" altLang="zh-CN">
+                                <a:latin typeface="Cambria Math" panose="02040503050406030204" pitchFamily="18" charset="0"/>
+                              </a:rPr>
+                              <m:t>std</m:t>
+                            </m:r>
+                          </m:e>
+                        </m:acc>
+                      </m:e>
+                      <m:sub>
+                        <m:r>
+                          <a:rPr lang="en-US" altLang="zh-CN" i="1">
+                            <a:latin typeface="Cambria Math" panose="02040503050406030204" pitchFamily="18" charset="0"/>
+                          </a:rPr>
+                          <m:t>𝑁</m:t>
+                        </m:r>
+                      </m:sub>
+                    </m:sSub>
+                  </m:oMath>
+                </a14:m>
+                <a:endParaRPr lang="en-US" altLang="zh-CN" b="0" dirty="0"/>
+              </a:p>
+              <a:p>
+                <a:pPr lvl="1"/>
+                <a14:m>
+                  <m:oMath xmlns:m="http://schemas.openxmlformats.org/officeDocument/2006/math">
+                    <m:acc>
+                      <m:accPr>
+                        <m:chr m:val="̃"/>
+                        <m:ctrlPr>
+                          <a:rPr lang="en-US" altLang="zh-CN" i="1">
+                            <a:latin typeface="Cambria Math" panose="02040503050406030204" pitchFamily="18" charset="0"/>
+                          </a:rPr>
+                        </m:ctrlPr>
+                      </m:accPr>
+                      <m:e>
+                        <m:r>
+                          <m:rPr>
+                            <m:sty m:val="p"/>
+                          </m:rPr>
+                          <a:rPr lang="en-US" altLang="zh-CN" b="0" i="0" smtClean="0">
+                            <a:latin typeface="Cambria Math" panose="02040503050406030204" pitchFamily="18" charset="0"/>
+                          </a:rPr>
+                          <m:t>down</m:t>
+                        </m:r>
+                      </m:e>
+                    </m:acc>
+                    <m:r>
+                      <a:rPr lang="en-US" altLang="zh-CN" b="0">
+                        <a:latin typeface="Cambria Math" panose="02040503050406030204" pitchFamily="18" charset="0"/>
+                      </a:rPr>
+                      <m:t>=</m:t>
+                    </m:r>
+                    <m:r>
+                      <m:rPr>
+                        <m:sty m:val="p"/>
+                      </m:rPr>
+                      <a:rPr lang="en-US" altLang="zh-CN" b="0">
+                        <a:latin typeface="Cambria Math" panose="02040503050406030204" pitchFamily="18" charset="0"/>
+                      </a:rPr>
+                      <m:t>mid</m:t>
+                    </m:r>
+                    <m:r>
+                      <a:rPr lang="en-US" altLang="zh-CN" b="0">
+                        <a:latin typeface="Cambria Math" panose="02040503050406030204" pitchFamily="18" charset="0"/>
+                      </a:rPr>
+                      <m:t>+</m:t>
+                    </m:r>
+                    <m:r>
+                      <a:rPr lang="en-US" altLang="zh-CN" b="0" i="1">
+                        <a:latin typeface="Cambria Math" panose="02040503050406030204" pitchFamily="18" charset="0"/>
+                      </a:rPr>
+                      <m:t>𝑀</m:t>
+                    </m:r>
+                    <m:r>
+                      <a:rPr lang="en-US" altLang="zh-CN" b="0">
+                        <a:latin typeface="Cambria Math" panose="02040503050406030204" pitchFamily="18" charset="0"/>
+                      </a:rPr>
+                      <m:t>⋅</m:t>
+                    </m:r>
+                    <m:sSub>
+                      <m:sSubPr>
+                        <m:ctrlPr>
+                          <a:rPr lang="en-US" altLang="zh-CN" i="1">
+                            <a:latin typeface="Cambria Math" panose="02040503050406030204" pitchFamily="18" charset="0"/>
+                          </a:rPr>
+                        </m:ctrlPr>
+                      </m:sSubPr>
+                      <m:e>
+                        <m:acc>
+                          <m:accPr>
+                            <m:chr m:val="̃"/>
+                            <m:ctrlPr>
+                              <a:rPr lang="en-US" altLang="zh-CN" i="1">
+                                <a:latin typeface="Cambria Math" panose="02040503050406030204" pitchFamily="18" charset="0"/>
+                              </a:rPr>
+                            </m:ctrlPr>
+                          </m:accPr>
+                          <m:e>
+                            <m:r>
+                              <m:rPr>
+                                <m:sty m:val="p"/>
+                              </m:rPr>
+                              <a:rPr lang="en-US" altLang="zh-CN">
+                                <a:latin typeface="Cambria Math" panose="02040503050406030204" pitchFamily="18" charset="0"/>
+                              </a:rPr>
+                              <m:t>std</m:t>
+                            </m:r>
+                          </m:e>
+                        </m:acc>
+                      </m:e>
+                      <m:sub>
+                        <m:r>
+                          <a:rPr lang="en-US" altLang="zh-CN" i="1">
+                            <a:latin typeface="Cambria Math" panose="02040503050406030204" pitchFamily="18" charset="0"/>
+                          </a:rPr>
+                          <m:t>𝑁</m:t>
+                        </m:r>
+                      </m:sub>
+                    </m:sSub>
+                  </m:oMath>
+                </a14:m>
+                <a:endParaRPr lang="en-US" altLang="zh-CN" b="0" dirty="0"/>
+              </a:p>
+              <a:p>
+                <a:pPr lvl="1"/>
+                <a:endParaRPr lang="zh-CN" altLang="en-US" dirty="0"/>
+              </a:p>
+            </p:txBody>
+          </p:sp>
+        </mc:Choice>
+        <mc:Fallback xmlns="">
+          <p:sp>
+            <p:nvSpPr>
+              <p:cNvPr id="3" name="内容占位符 2">
+                <a:extLst>
+                  <a:ext uri="{FF2B5EF4-FFF2-40B4-BE49-F238E27FC236}">
+                    <a16:creationId xmlns:a16="http://schemas.microsoft.com/office/drawing/2014/main" id="{97AF3489-B594-40CE-A109-D34CF0971FD8}"/>
+                  </a:ext>
+                </a:extLst>
+              </p:cNvPr>
+              <p:cNvSpPr>
+                <a:spLocks noGrp="1" noRot="1" noChangeAspect="1" noMove="1" noResize="1" noEditPoints="1" noAdjustHandles="1" noChangeArrowheads="1" noChangeShapeType="1" noTextEdit="1"/>
+              </p:cNvSpPr>
+              <p:nvPr>
+                <p:ph idx="1"/>
+              </p:nvPr>
+            </p:nvSpPr>
+            <p:spPr>
+              <a:blipFill>
+                <a:blip r:embed="rId2"/>
+                <a:stretch>
+                  <a:fillRect l="-232" t="-1103" b="-2451"/>
+                </a:stretch>
+              </a:blipFill>
+            </p:spPr>
+            <p:txBody>
+              <a:bodyPr/>
+              <a:lstStyle/>
+              <a:p>
+                <a:r>
+                  <a:rPr lang="zh-CN" altLang="en-US">
+                    <a:noFill/>
+                  </a:rPr>
+                  <a:t> </a:t>
+                </a:r>
+              </a:p>
+            </p:txBody>
+          </p:sp>
+        </mc:Fallback>
+      </mc:AlternateContent>
     </p:spTree>
     <p:extLst>
       <p:ext uri="{BB962C8B-B14F-4D97-AF65-F5344CB8AC3E}">
-        <p14:creationId xmlns:p14="http://schemas.microsoft.com/office/powerpoint/2010/main" val="1107074539"/>
+        <p14:creationId xmlns:p14="http://schemas.microsoft.com/office/powerpoint/2010/main" val="524360528"/>
       </p:ext>
     </p:extLst>
   </p:cSld>
@@ -5736,12 +6304,170 @@
           <a:chExt cx="0" cy="0"/>
         </a:xfrm>
       </p:grpSpPr>
+      <p:pic>
+        <p:nvPicPr>
+          <p:cNvPr id="5" name="内容占位符 4">
+            <a:extLst>
+              <a:ext uri="{FF2B5EF4-FFF2-40B4-BE49-F238E27FC236}">
+                <a16:creationId xmlns:a16="http://schemas.microsoft.com/office/drawing/2014/main" id="{F0887336-2A86-4CDE-A4A9-E6069FAE2D99}"/>
+              </a:ext>
+            </a:extLst>
+          </p:cNvPr>
+          <p:cNvPicPr>
+            <a:picLocks noGrp="1" noChangeAspect="1"/>
+          </p:cNvPicPr>
+          <p:nvPr>
+            <p:ph idx="1"/>
+          </p:nvPr>
+        </p:nvPicPr>
+        <p:blipFill>
+          <a:blip r:embed="rId2">
+            <a:extLst>
+              <a:ext uri="{28A0092B-C50C-407E-A947-70E740481C1C}">
+                <a14:useLocalDpi xmlns:a14="http://schemas.microsoft.com/office/drawing/2010/main" val="0"/>
+              </a:ext>
+            </a:extLst>
+          </a:blip>
+          <a:stretch>
+            <a:fillRect/>
+          </a:stretch>
+        </p:blipFill>
+        <p:spPr>
+          <a:xfrm>
+            <a:off x="-914400" y="1236663"/>
+            <a:ext cx="11817352" cy="2954337"/>
+          </a:xfrm>
+        </p:spPr>
+      </p:pic>
+      <p:sp>
+        <p:nvSpPr>
+          <p:cNvPr id="6" name="文本框 5">
+            <a:extLst>
+              <a:ext uri="{FF2B5EF4-FFF2-40B4-BE49-F238E27FC236}">
+                <a16:creationId xmlns:a16="http://schemas.microsoft.com/office/drawing/2014/main" id="{4AEF9C28-7203-4B0D-A9BC-4B3DB42C4413}"/>
+              </a:ext>
+            </a:extLst>
+          </p:cNvPr>
+          <p:cNvSpPr txBox="1"/>
+          <p:nvPr/>
+        </p:nvSpPr>
+        <p:spPr>
+          <a:xfrm>
+            <a:off x="9926128" y="1727141"/>
+            <a:ext cx="2381075" cy="1938992"/>
+          </a:xfrm>
+          <a:prstGeom prst="rect">
+            <a:avLst/>
+          </a:prstGeom>
+          <a:noFill/>
+        </p:spPr>
+        <p:txBody>
+          <a:bodyPr wrap="square" rtlCol="0">
+            <a:spAutoFit/>
+          </a:bodyPr>
+          <a:lstStyle/>
+          <a:p>
+            <a:r>
+              <a:rPr lang="en-US" altLang="zh-CN" dirty="0">
+                <a:latin typeface="Calibri" pitchFamily="34" charset="0"/>
+              </a:rPr>
+              <a:t>Magic</a:t>
+            </a:r>
+            <a:r>
+              <a:rPr lang="zh-CN" altLang="en-US" dirty="0">
+                <a:latin typeface="Calibri" pitchFamily="34" charset="0"/>
+              </a:rPr>
+              <a:t> </a:t>
+            </a:r>
+            <a:r>
+              <a:rPr lang="en-US" altLang="zh-CN" dirty="0">
+                <a:latin typeface="Calibri" pitchFamily="34" charset="0"/>
+              </a:rPr>
+              <a:t>Bolling</a:t>
+            </a:r>
+          </a:p>
+          <a:p>
+            <a:r>
+              <a:rPr lang="zh-CN" altLang="en-US" dirty="0">
+                <a:latin typeface="Calibri" pitchFamily="34" charset="0"/>
+              </a:rPr>
+              <a:t>年化收益 </a:t>
+            </a:r>
+            <a:r>
+              <a:rPr lang="en-US" altLang="zh-CN" dirty="0">
+                <a:solidFill>
+                  <a:srgbClr val="C00000"/>
+                </a:solidFill>
+                <a:latin typeface="Calibri" pitchFamily="34" charset="0"/>
+              </a:rPr>
+              <a:t>9.04%</a:t>
+            </a:r>
+          </a:p>
+          <a:p>
+            <a:r>
+              <a:rPr lang="zh-CN" altLang="en-US" dirty="0">
+                <a:latin typeface="Calibri" pitchFamily="34" charset="0"/>
+              </a:rPr>
+              <a:t>         超额 </a:t>
+            </a:r>
+            <a:r>
+              <a:rPr lang="en-US" altLang="zh-CN" dirty="0">
+                <a:solidFill>
+                  <a:srgbClr val="C00000"/>
+                </a:solidFill>
+                <a:latin typeface="Calibri" pitchFamily="34" charset="0"/>
+              </a:rPr>
+              <a:t>7.06%</a:t>
+            </a:r>
+          </a:p>
+          <a:p>
+            <a:r>
+              <a:rPr lang="zh-CN" altLang="en-US" dirty="0">
+                <a:latin typeface="Calibri" pitchFamily="34" charset="0"/>
+              </a:rPr>
+              <a:t>超额夏普 </a:t>
+            </a:r>
+            <a:r>
+              <a:rPr lang="en-US" altLang="zh-CN" dirty="0">
+                <a:solidFill>
+                  <a:srgbClr val="C00000"/>
+                </a:solidFill>
+                <a:latin typeface="Calibri" pitchFamily="34" charset="0"/>
+              </a:rPr>
+              <a:t>0.76</a:t>
+            </a:r>
+          </a:p>
+          <a:p>
+            <a:r>
+              <a:rPr lang="zh-CN" altLang="en-US" dirty="0">
+                <a:latin typeface="Calibri" pitchFamily="34" charset="0"/>
+              </a:rPr>
+              <a:t>最大回撤 </a:t>
+            </a:r>
+            <a:r>
+              <a:rPr lang="en-US" altLang="zh-CN" dirty="0">
+                <a:solidFill>
+                  <a:srgbClr val="C00000"/>
+                </a:solidFill>
+                <a:latin typeface="Calibri" pitchFamily="34" charset="0"/>
+              </a:rPr>
+              <a:t>13.5%</a:t>
+            </a:r>
+            <a:endParaRPr lang="zh-CN" altLang="en-US" dirty="0">
+              <a:solidFill>
+                <a:srgbClr val="C00000"/>
+              </a:solidFill>
+              <a:latin typeface="Calibri" pitchFamily="34" charset="0"/>
+            </a:endParaRPr>
+          </a:p>
+        </p:txBody>
+      </p:sp>
       <p:sp>
         <p:nvSpPr>
           <p:cNvPr id="2" name="标题 1">
             <a:extLst>
               <a:ext uri="{FF2B5EF4-FFF2-40B4-BE49-F238E27FC236}">
-                <a16:creationId xmlns:a16="http://schemas.microsoft.com/office/drawing/2014/main" id="{1C52A5CB-75B3-493D-A7F6-B1401ED47422}"/>
+                <a16:creationId xmlns:a16="http://schemas.microsoft.com/office/drawing/2014/main" id="{78D20E84-AEBD-49A8-B115-70C41D822A6D}"/>
               </a:ext>
             </a:extLst>
           </p:cNvPr>
@@ -5752,10 +6478,375 @@
             <p:ph type="title"/>
           </p:nvPr>
         </p:nvSpPr>
+        <p:spPr/>
+        <p:txBody>
+          <a:bodyPr/>
+          <a:lstStyle/>
+          <a:p>
+            <a:r>
+              <a:rPr lang="zh-CN" altLang="en-US" dirty="0"/>
+              <a:t>回测结果</a:t>
+            </a:r>
+            <a:r>
+              <a:rPr lang="zh-CN" altLang="en-US" b="0" dirty="0"/>
+              <a:t>（</a:t>
+            </a:r>
+            <a:r>
+              <a:rPr lang="en-US" altLang="zh-CN" b="0" dirty="0"/>
+              <a:t>Magic Bolling, </a:t>
+            </a:r>
+            <a:r>
+              <a:rPr lang="zh-CN" altLang="en-US" b="0" dirty="0"/>
+              <a:t>仅做多）</a:t>
+            </a:r>
+          </a:p>
+        </p:txBody>
+      </p:sp>
+      <p:sp>
+        <p:nvSpPr>
+          <p:cNvPr id="7" name="内容占位符 2">
+            <a:extLst>
+              <a:ext uri="{FF2B5EF4-FFF2-40B4-BE49-F238E27FC236}">
+                <a16:creationId xmlns:a16="http://schemas.microsoft.com/office/drawing/2014/main" id="{811D2AC4-6E77-4B42-B6D4-D2A1BF03CD2E}"/>
+              </a:ext>
+            </a:extLst>
+          </p:cNvPr>
+          <p:cNvSpPr txBox="1">
+            <a:spLocks/>
+          </p:cNvSpPr>
+          <p:nvPr/>
+        </p:nvSpPr>
+        <p:spPr bwMode="auto">
+          <a:xfrm>
+            <a:off x="685800" y="4332542"/>
+            <a:ext cx="10528300" cy="1611058"/>
+          </a:xfrm>
+          <a:prstGeom prst="rect">
+            <a:avLst/>
+          </a:prstGeom>
+          <a:noFill/>
+          <a:ln w="9525">
+            <a:noFill/>
+            <a:miter lim="800000"/>
+            <a:headEnd/>
+            <a:tailEnd/>
+          </a:ln>
+        </p:spPr>
+        <p:txBody>
+          <a:bodyPr vert="horz" wrap="square" lIns="91440" tIns="45720" rIns="91440" bIns="45720" numCol="1" anchor="t" anchorCtr="0" compatLnSpc="1">
+            <a:prstTxWarp prst="textNoShape">
+              <a:avLst/>
+            </a:prstTxWarp>
+          </a:bodyPr>
+          <a:lstStyle>
+            <a:lvl1pPr marL="342900" indent="-342900" algn="l" rtl="0" eaLnBrk="1" fontAlgn="base" hangingPunct="1">
+              <a:spcBef>
+                <a:spcPct val="20000"/>
+              </a:spcBef>
+              <a:spcAft>
+                <a:spcPct val="0"/>
+              </a:spcAft>
+              <a:buClr>
+                <a:srgbClr val="990000"/>
+              </a:buClr>
+              <a:buSzPct val="60000"/>
+              <a:buFont typeface="Wingdings 2" pitchFamily="18" charset="2"/>
+              <a:buChar char="¢"/>
+              <a:defRPr sz="2800" b="1" baseline="0">
+                <a:solidFill>
+                  <a:schemeClr val="tx1"/>
+                </a:solidFill>
+                <a:latin typeface="Calibri" pitchFamily="34" charset="0"/>
+                <a:ea typeface="黑体" pitchFamily="49" charset="-122"/>
+                <a:cs typeface="+mn-cs"/>
+              </a:defRPr>
+            </a:lvl1pPr>
+            <a:lvl2pPr marL="742950" indent="-285750" algn="l" rtl="0" eaLnBrk="1" fontAlgn="base" hangingPunct="1">
+              <a:spcBef>
+                <a:spcPct val="20000"/>
+              </a:spcBef>
+              <a:spcAft>
+                <a:spcPct val="0"/>
+              </a:spcAft>
+              <a:buClr>
+                <a:srgbClr val="990000"/>
+              </a:buClr>
+              <a:buSzPct val="110000"/>
+              <a:buFont typeface="Wingdings" pitchFamily="2" charset="2"/>
+              <a:buChar char="§"/>
+              <a:defRPr sz="2400" baseline="0">
+                <a:solidFill>
+                  <a:schemeClr val="tx1"/>
+                </a:solidFill>
+                <a:latin typeface="Calibri" pitchFamily="34" charset="0"/>
+                <a:ea typeface="黑体" pitchFamily="49" charset="-122"/>
+              </a:defRPr>
+            </a:lvl2pPr>
+            <a:lvl3pPr marL="1143000" indent="-228600" algn="l" rtl="0" eaLnBrk="1" fontAlgn="base" hangingPunct="1">
+              <a:spcBef>
+                <a:spcPct val="20000"/>
+              </a:spcBef>
+              <a:spcAft>
+                <a:spcPct val="0"/>
+              </a:spcAft>
+              <a:buSzPct val="80000"/>
+              <a:buFont typeface="Wingdings" pitchFamily="2" charset="2"/>
+              <a:buChar char="§"/>
+              <a:defRPr sz="2000" baseline="0">
+                <a:solidFill>
+                  <a:schemeClr val="tx1"/>
+                </a:solidFill>
+                <a:latin typeface="Calibri" pitchFamily="34" charset="0"/>
+                <a:ea typeface="黑体" pitchFamily="49" charset="-122"/>
+              </a:defRPr>
+            </a:lvl3pPr>
+            <a:lvl4pPr marL="1600200" indent="-228600" algn="l" rtl="0" eaLnBrk="1" fontAlgn="base" hangingPunct="1">
+              <a:spcBef>
+                <a:spcPct val="20000"/>
+              </a:spcBef>
+              <a:spcAft>
+                <a:spcPct val="0"/>
+              </a:spcAft>
+              <a:buChar char="–"/>
+              <a:defRPr sz="2000" baseline="0">
+                <a:solidFill>
+                  <a:schemeClr val="tx1"/>
+                </a:solidFill>
+                <a:latin typeface="Calibri" pitchFamily="34" charset="0"/>
+                <a:ea typeface="黑体" pitchFamily="49" charset="-122"/>
+              </a:defRPr>
+            </a:lvl4pPr>
+            <a:lvl5pPr marL="2057400" indent="-228600" algn="l" rtl="0" eaLnBrk="1" fontAlgn="base" hangingPunct="1">
+              <a:spcBef>
+                <a:spcPct val="20000"/>
+              </a:spcBef>
+              <a:spcAft>
+                <a:spcPct val="0"/>
+              </a:spcAft>
+              <a:buChar char="»"/>
+              <a:defRPr sz="2000" baseline="0">
+                <a:solidFill>
+                  <a:schemeClr val="tx1"/>
+                </a:solidFill>
+                <a:latin typeface="Calibri" pitchFamily="34" charset="0"/>
+                <a:ea typeface="黑体" pitchFamily="49" charset="-122"/>
+              </a:defRPr>
+            </a:lvl5pPr>
+            <a:lvl6pPr marL="2514600" indent="-228600" algn="l" rtl="0" eaLnBrk="1" fontAlgn="base" hangingPunct="1">
+              <a:spcBef>
+                <a:spcPct val="20000"/>
+              </a:spcBef>
+              <a:spcAft>
+                <a:spcPct val="0"/>
+              </a:spcAft>
+              <a:buChar char="»"/>
+              <a:defRPr sz="2000">
+                <a:solidFill>
+                  <a:schemeClr val="tx1"/>
+                </a:solidFill>
+                <a:latin typeface="Arial" charset="0"/>
+              </a:defRPr>
+            </a:lvl6pPr>
+            <a:lvl7pPr marL="2971800" indent="-228600" algn="l" rtl="0" eaLnBrk="1" fontAlgn="base" hangingPunct="1">
+              <a:spcBef>
+                <a:spcPct val="20000"/>
+              </a:spcBef>
+              <a:spcAft>
+                <a:spcPct val="0"/>
+              </a:spcAft>
+              <a:buChar char="»"/>
+              <a:defRPr sz="2000">
+                <a:solidFill>
+                  <a:schemeClr val="tx1"/>
+                </a:solidFill>
+                <a:latin typeface="Arial" charset="0"/>
+              </a:defRPr>
+            </a:lvl7pPr>
+            <a:lvl8pPr marL="3429000" indent="-228600" algn="l" rtl="0" eaLnBrk="1" fontAlgn="base" hangingPunct="1">
+              <a:spcBef>
+                <a:spcPct val="20000"/>
+              </a:spcBef>
+              <a:spcAft>
+                <a:spcPct val="0"/>
+              </a:spcAft>
+              <a:buChar char="»"/>
+              <a:defRPr sz="2000">
+                <a:solidFill>
+                  <a:schemeClr val="tx1"/>
+                </a:solidFill>
+                <a:latin typeface="Arial" charset="0"/>
+              </a:defRPr>
+            </a:lvl8pPr>
+            <a:lvl9pPr marL="3886200" indent="-228600" algn="l" rtl="0" eaLnBrk="1" fontAlgn="base" hangingPunct="1">
+              <a:spcBef>
+                <a:spcPct val="20000"/>
+              </a:spcBef>
+              <a:spcAft>
+                <a:spcPct val="0"/>
+              </a:spcAft>
+              <a:buChar char="»"/>
+              <a:defRPr sz="2000">
+                <a:solidFill>
+                  <a:schemeClr val="tx1"/>
+                </a:solidFill>
+                <a:latin typeface="Arial" charset="0"/>
+              </a:defRPr>
+            </a:lvl9pPr>
+          </a:lstStyle>
+          <a:p>
+            <a:r>
+              <a:rPr lang="zh-CN" altLang="en-US" kern="0" dirty="0"/>
+              <a:t>收益不减，且风险大大降低</a:t>
+            </a:r>
+            <a:endParaRPr lang="en-US" altLang="zh-CN" kern="0" dirty="0"/>
+          </a:p>
+          <a:p>
+            <a:pPr lvl="1"/>
+            <a:r>
+              <a:rPr lang="zh-CN" altLang="en-US" kern="0" dirty="0"/>
+              <a:t>夏普，回撤显著优化</a:t>
+            </a:r>
+            <a:endParaRPr lang="en-US" altLang="zh-CN" kern="0" dirty="0"/>
+          </a:p>
+          <a:p>
+            <a:r>
+              <a:rPr lang="en-US" altLang="zh-CN" kern="0" dirty="0"/>
+              <a:t>Magic Bolling</a:t>
+            </a:r>
+            <a:r>
+              <a:rPr lang="zh-CN" altLang="en-US" kern="0" dirty="0"/>
+              <a:t>逃顶效率非常高</a:t>
+            </a:r>
+            <a:endParaRPr lang="en-US" altLang="zh-CN" kern="0" dirty="0"/>
+          </a:p>
+          <a:p>
+            <a:pPr lvl="1"/>
+            <a:endParaRPr lang="zh-CN" altLang="en-US" b="0" kern="0" dirty="0"/>
+          </a:p>
+        </p:txBody>
+      </p:sp>
+    </p:spTree>
+    <p:extLst>
+      <p:ext uri="{BB962C8B-B14F-4D97-AF65-F5344CB8AC3E}">
+        <p14:creationId xmlns:p14="http://schemas.microsoft.com/office/powerpoint/2010/main" val="2423866333"/>
+      </p:ext>
+    </p:extLst>
+  </p:cSld>
+  <p:clrMapOvr>
+    <a:masterClrMapping/>
+  </p:clrMapOvr>
+</p:sld>
+</file>
+
+<file path=ppt/slides/slide19.xml><?xml version="1.0" encoding="utf-8"?>
+<p:sld xmlns:a="http://schemas.openxmlformats.org/drawingml/2006/main" xmlns:r="http://schemas.openxmlformats.org/officeDocument/2006/relationships" xmlns:p="http://schemas.openxmlformats.org/presentationml/2006/main">
+  <p:cSld>
+    <p:spTree>
+      <p:nvGrpSpPr>
+        <p:cNvPr id="1" name=""/>
+        <p:cNvGrpSpPr/>
+        <p:nvPr/>
+      </p:nvGrpSpPr>
+      <p:grpSpPr>
+        <a:xfrm>
+          <a:off x="0" y="0"/>
+          <a:ext cx="0" cy="0"/>
+          <a:chOff x="0" y="0"/>
+          <a:chExt cx="0" cy="0"/>
+        </a:xfrm>
+      </p:grpSpPr>
+      <p:pic>
+        <p:nvPicPr>
+          <p:cNvPr id="13" name="图片 12">
+            <a:extLst>
+              <a:ext uri="{FF2B5EF4-FFF2-40B4-BE49-F238E27FC236}">
+                <a16:creationId xmlns:a16="http://schemas.microsoft.com/office/drawing/2014/main" id="{119D3867-9C86-4182-B87D-622BF3C19766}"/>
+              </a:ext>
+            </a:extLst>
+          </p:cNvPr>
+          <p:cNvPicPr>
+            <a:picLocks noChangeAspect="1"/>
+          </p:cNvPicPr>
+          <p:nvPr/>
+        </p:nvPicPr>
+        <p:blipFill>
+          <a:blip r:embed="rId2">
+            <a:extLst>
+              <a:ext uri="{28A0092B-C50C-407E-A947-70E740481C1C}">
+                <a14:useLocalDpi xmlns:a14="http://schemas.microsoft.com/office/drawing/2010/main" val="0"/>
+              </a:ext>
+            </a:extLst>
+          </a:blip>
+          <a:stretch>
+            <a:fillRect/>
+          </a:stretch>
+        </p:blipFill>
         <p:spPr>
           <a:xfrm>
-            <a:off x="4876800" y="3048000"/>
-            <a:ext cx="2590800" cy="762000"/>
+            <a:off x="-399691" y="990600"/>
+            <a:ext cx="12192000" cy="3048000"/>
+          </a:xfrm>
+          <a:prstGeom prst="rect">
+            <a:avLst/>
+          </a:prstGeom>
+        </p:spPr>
+      </p:pic>
+      <p:sp>
+        <p:nvSpPr>
+          <p:cNvPr id="2" name="标题 1">
+            <a:extLst>
+              <a:ext uri="{FF2B5EF4-FFF2-40B4-BE49-F238E27FC236}">
+                <a16:creationId xmlns:a16="http://schemas.microsoft.com/office/drawing/2014/main" id="{FC7B263A-68AC-4763-AA92-14DEE3CE0A85}"/>
+              </a:ext>
+            </a:extLst>
+          </p:cNvPr>
+          <p:cNvSpPr>
+            <a:spLocks noGrp="1"/>
+          </p:cNvSpPr>
+          <p:nvPr>
+            <p:ph type="title"/>
+          </p:nvPr>
+        </p:nvSpPr>
+        <p:spPr/>
+        <p:txBody>
+          <a:bodyPr/>
+          <a:lstStyle/>
+          <a:p>
+            <a:r>
+              <a:rPr lang="zh-CN" altLang="en-US" dirty="0"/>
+              <a:t>不做空</a:t>
+            </a:r>
+            <a:r>
+              <a:rPr lang="en-US" altLang="zh-CN" dirty="0"/>
+              <a:t>vs</a:t>
+            </a:r>
+            <a:r>
+              <a:rPr lang="zh-CN" altLang="en-US" dirty="0"/>
+              <a:t>做空</a:t>
+            </a:r>
+          </a:p>
+        </p:txBody>
+      </p:sp>
+      <p:sp>
+        <p:nvSpPr>
+          <p:cNvPr id="11" name="内容占位符 10">
+            <a:extLst>
+              <a:ext uri="{FF2B5EF4-FFF2-40B4-BE49-F238E27FC236}">
+                <a16:creationId xmlns:a16="http://schemas.microsoft.com/office/drawing/2014/main" id="{A6E6D3FB-37F7-4B25-BB3A-8E3E7AA20E75}"/>
+              </a:ext>
+            </a:extLst>
+          </p:cNvPr>
+          <p:cNvSpPr>
+            <a:spLocks noGrp="1"/>
+          </p:cNvSpPr>
+          <p:nvPr>
+            <p:ph idx="1"/>
+          </p:nvPr>
+        </p:nvSpPr>
+        <p:spPr>
+          <a:xfrm>
+            <a:off x="685800" y="4274885"/>
+            <a:ext cx="10528300" cy="2143124"/>
           </a:xfrm>
         </p:spPr>
         <p:txBody>
@@ -5764,8 +6855,77 @@
           <a:p>
             <a:r>
               <a:rPr lang="en-US" altLang="zh-CN" dirty="0"/>
-              <a:t>Thank you!</a:t>
-            </a:r>
+              <a:t>                  </a:t>
+            </a:r>
+            <a:r>
+              <a:rPr lang="zh-CN" altLang="en-US" dirty="0"/>
+              <a:t>年化收益        夏普比         最大回撤</a:t>
+            </a:r>
+            <a:endParaRPr lang="en-US" altLang="zh-CN" dirty="0"/>
+          </a:p>
+          <a:p>
+            <a:r>
+              <a:rPr lang="zh-CN" altLang="en-US" dirty="0"/>
+              <a:t>仅做多          </a:t>
+            </a:r>
+            <a:r>
+              <a:rPr lang="en-US" altLang="zh-CN" dirty="0"/>
+              <a:t>9.04%           </a:t>
+            </a:r>
+            <a:r>
+              <a:rPr lang="en-US" altLang="zh-CN" dirty="0">
+                <a:solidFill>
+                  <a:srgbClr val="FF0000"/>
+                </a:solidFill>
+              </a:rPr>
+              <a:t>0.76</a:t>
+            </a:r>
+            <a:r>
+              <a:rPr lang="en-US" altLang="zh-CN" dirty="0"/>
+              <a:t>                </a:t>
+            </a:r>
+            <a:r>
+              <a:rPr lang="en-US" altLang="zh-CN" dirty="0">
+                <a:solidFill>
+                  <a:srgbClr val="FF0000"/>
+                </a:solidFill>
+              </a:rPr>
+              <a:t>13.5%</a:t>
+            </a:r>
+          </a:p>
+          <a:p>
+            <a:r>
+              <a:rPr lang="en-US" altLang="zh-CN" dirty="0"/>
+              <a:t>  +</a:t>
+            </a:r>
+            <a:r>
+              <a:rPr lang="zh-CN" altLang="en-US" dirty="0"/>
+              <a:t>做空        </a:t>
+            </a:r>
+            <a:r>
+              <a:rPr lang="en-US" altLang="zh-CN" dirty="0">
+                <a:solidFill>
+                  <a:srgbClr val="FF0000"/>
+                </a:solidFill>
+              </a:rPr>
+              <a:t>10.82%</a:t>
+            </a:r>
+            <a:r>
+              <a:rPr lang="en-US" altLang="zh-CN" dirty="0"/>
+              <a:t>           0.74                17.4%</a:t>
+            </a:r>
+          </a:p>
+          <a:p>
+            <a:endParaRPr lang="en-US" altLang="zh-CN" dirty="0"/>
+          </a:p>
+          <a:p>
+            <a:r>
+              <a:rPr lang="zh-CN" altLang="en-US" dirty="0"/>
+              <a:t>做空带来更多收益，但也（略微）增加了波动！</a:t>
+            </a:r>
+            <a:endParaRPr lang="en-US" altLang="zh-CN" dirty="0"/>
+          </a:p>
+          <a:p>
             <a:endParaRPr lang="zh-CN" altLang="en-US" dirty="0"/>
           </a:p>
         </p:txBody>
@@ -5773,7 +6933,7 @@
     </p:spTree>
     <p:extLst>
       <p:ext uri="{BB962C8B-B14F-4D97-AF65-F5344CB8AC3E}">
-        <p14:creationId xmlns:p14="http://schemas.microsoft.com/office/powerpoint/2010/main" val="687988630"/>
+        <p14:creationId xmlns:p14="http://schemas.microsoft.com/office/powerpoint/2010/main" val="920118976"/>
       </p:ext>
     </p:extLst>
   </p:cSld>
@@ -5955,6 +7115,188 @@
     <p:extLst>
       <p:ext uri="{BB962C8B-B14F-4D97-AF65-F5344CB8AC3E}">
         <p14:creationId xmlns:p14="http://schemas.microsoft.com/office/powerpoint/2010/main" val="1760565726"/>
+      </p:ext>
+    </p:extLst>
+  </p:cSld>
+  <p:clrMapOvr>
+    <a:masterClrMapping/>
+  </p:clrMapOvr>
+</p:sld>
+</file>
+
+<file path=ppt/slides/slide20.xml><?xml version="1.0" encoding="utf-8"?>
+<p:sld xmlns:a="http://schemas.openxmlformats.org/drawingml/2006/main" xmlns:r="http://schemas.openxmlformats.org/officeDocument/2006/relationships" xmlns:p="http://schemas.openxmlformats.org/presentationml/2006/main">
+  <p:cSld>
+    <p:spTree>
+      <p:nvGrpSpPr>
+        <p:cNvPr id="1" name=""/>
+        <p:cNvGrpSpPr/>
+        <p:nvPr/>
+      </p:nvGrpSpPr>
+      <p:grpSpPr>
+        <a:xfrm>
+          <a:off x="0" y="0"/>
+          <a:ext cx="0" cy="0"/>
+          <a:chOff x="0" y="0"/>
+          <a:chExt cx="0" cy="0"/>
+        </a:xfrm>
+      </p:grpSpPr>
+      <p:sp>
+        <p:nvSpPr>
+          <p:cNvPr id="2" name="标题 1">
+            <a:extLst>
+              <a:ext uri="{FF2B5EF4-FFF2-40B4-BE49-F238E27FC236}">
+                <a16:creationId xmlns:a16="http://schemas.microsoft.com/office/drawing/2014/main" id="{9920B236-03EF-4633-BCAC-1BDEA71EE465}"/>
+              </a:ext>
+            </a:extLst>
+          </p:cNvPr>
+          <p:cNvSpPr>
+            <a:spLocks noGrp="1"/>
+          </p:cNvSpPr>
+          <p:nvPr>
+            <p:ph type="title"/>
+          </p:nvPr>
+        </p:nvSpPr>
+        <p:spPr/>
+        <p:txBody>
+          <a:bodyPr/>
+          <a:lstStyle/>
+          <a:p>
+            <a:r>
+              <a:rPr lang="zh-CN" altLang="en-US" dirty="0"/>
+              <a:t>策略优势</a:t>
+            </a:r>
+          </a:p>
+        </p:txBody>
+      </p:sp>
+      <p:sp>
+        <p:nvSpPr>
+          <p:cNvPr id="3" name="内容占位符 2">
+            <a:extLst>
+              <a:ext uri="{FF2B5EF4-FFF2-40B4-BE49-F238E27FC236}">
+                <a16:creationId xmlns:a16="http://schemas.microsoft.com/office/drawing/2014/main" id="{45AA8050-CA93-485E-B743-FFEDF67B0B9D}"/>
+              </a:ext>
+            </a:extLst>
+          </p:cNvPr>
+          <p:cNvSpPr>
+            <a:spLocks noGrp="1"/>
+          </p:cNvSpPr>
+          <p:nvPr>
+            <p:ph idx="1"/>
+          </p:nvPr>
+        </p:nvSpPr>
+        <p:spPr/>
+        <p:txBody>
+          <a:bodyPr/>
+          <a:lstStyle/>
+          <a:p>
+            <a:r>
+              <a:rPr lang="zh-CN" altLang="en-US" dirty="0"/>
+              <a:t>优势：参数少，过拟合风险小，更可能在未来市场上持续盈利</a:t>
+            </a:r>
+            <a:endParaRPr lang="en-US" altLang="zh-CN" dirty="0"/>
+          </a:p>
+          <a:p>
+            <a:pPr lvl="1"/>
+            <a:r>
+              <a:rPr lang="zh-CN" altLang="en-US" dirty="0"/>
+              <a:t>简单策略更稳定、鲁棒性更好</a:t>
+            </a:r>
+            <a:endParaRPr lang="en-US" altLang="zh-CN" dirty="0"/>
+          </a:p>
+          <a:p>
+            <a:pPr lvl="1"/>
+            <a:endParaRPr lang="en-US" altLang="zh-CN" dirty="0"/>
+          </a:p>
+          <a:p>
+            <a:r>
+              <a:rPr lang="zh-CN" altLang="en-US" dirty="0"/>
+              <a:t>采用魔改的</a:t>
+            </a:r>
+            <a:r>
+              <a:rPr lang="en-US" altLang="zh-CN" dirty="0" err="1"/>
+              <a:t>bolling</a:t>
+            </a:r>
+            <a:r>
+              <a:rPr lang="zh-CN" altLang="en-US"/>
+              <a:t>线，更好地理解趋势，效果</a:t>
+            </a:r>
+            <a:r>
+              <a:rPr lang="zh-CN" altLang="en-US" dirty="0"/>
+              <a:t>比传统布林线更好</a:t>
+            </a:r>
+            <a:endParaRPr lang="en-US" altLang="zh-CN" dirty="0"/>
+          </a:p>
+        </p:txBody>
+      </p:sp>
+    </p:spTree>
+    <p:extLst>
+      <p:ext uri="{BB962C8B-B14F-4D97-AF65-F5344CB8AC3E}">
+        <p14:creationId xmlns:p14="http://schemas.microsoft.com/office/powerpoint/2010/main" val="1107074539"/>
+      </p:ext>
+    </p:extLst>
+  </p:cSld>
+  <p:clrMapOvr>
+    <a:masterClrMapping/>
+  </p:clrMapOvr>
+</p:sld>
+</file>
+
+<file path=ppt/slides/slide21.xml><?xml version="1.0" encoding="utf-8"?>
+<p:sld xmlns:a="http://schemas.openxmlformats.org/drawingml/2006/main" xmlns:r="http://schemas.openxmlformats.org/officeDocument/2006/relationships" xmlns:p="http://schemas.openxmlformats.org/presentationml/2006/main">
+  <p:cSld>
+    <p:spTree>
+      <p:nvGrpSpPr>
+        <p:cNvPr id="1" name=""/>
+        <p:cNvGrpSpPr/>
+        <p:nvPr/>
+      </p:nvGrpSpPr>
+      <p:grpSpPr>
+        <a:xfrm>
+          <a:off x="0" y="0"/>
+          <a:ext cx="0" cy="0"/>
+          <a:chOff x="0" y="0"/>
+          <a:chExt cx="0" cy="0"/>
+        </a:xfrm>
+      </p:grpSpPr>
+      <p:sp>
+        <p:nvSpPr>
+          <p:cNvPr id="2" name="标题 1">
+            <a:extLst>
+              <a:ext uri="{FF2B5EF4-FFF2-40B4-BE49-F238E27FC236}">
+                <a16:creationId xmlns:a16="http://schemas.microsoft.com/office/drawing/2014/main" id="{1C52A5CB-75B3-493D-A7F6-B1401ED47422}"/>
+              </a:ext>
+            </a:extLst>
+          </p:cNvPr>
+          <p:cNvSpPr>
+            <a:spLocks noGrp="1"/>
+          </p:cNvSpPr>
+          <p:nvPr>
+            <p:ph type="title"/>
+          </p:nvPr>
+        </p:nvSpPr>
+        <p:spPr>
+          <a:xfrm>
+            <a:off x="4876800" y="3048000"/>
+            <a:ext cx="2590800" cy="762000"/>
+          </a:xfrm>
+        </p:spPr>
+        <p:txBody>
+          <a:bodyPr/>
+          <a:lstStyle/>
+          <a:p>
+            <a:r>
+              <a:rPr lang="en-US" altLang="zh-CN" dirty="0"/>
+              <a:t>Thank you!</a:t>
+            </a:r>
+            <a:endParaRPr lang="zh-CN" altLang="en-US" dirty="0"/>
+          </a:p>
+        </p:txBody>
+      </p:sp>
+    </p:spTree>
+    <p:extLst>
+      <p:ext uri="{BB962C8B-B14F-4D97-AF65-F5344CB8AC3E}">
+        <p14:creationId xmlns:p14="http://schemas.microsoft.com/office/powerpoint/2010/main" val="687988630"/>
       </p:ext>
     </p:extLst>
   </p:cSld>
@@ -7254,119 +8596,6 @@
           <p:cNvPr id="2" name="标题 1">
             <a:extLst>
               <a:ext uri="{FF2B5EF4-FFF2-40B4-BE49-F238E27FC236}">
-                <a16:creationId xmlns:a16="http://schemas.microsoft.com/office/drawing/2014/main" id="{E6023E5B-70D8-401F-AB54-3E85FBF7B219}"/>
-              </a:ext>
-            </a:extLst>
-          </p:cNvPr>
-          <p:cNvSpPr>
-            <a:spLocks noGrp="1"/>
-          </p:cNvSpPr>
-          <p:nvPr>
-            <p:ph type="title"/>
-          </p:nvPr>
-        </p:nvSpPr>
-        <p:spPr/>
-        <p:txBody>
-          <a:bodyPr/>
-          <a:lstStyle/>
-          <a:p>
-            <a:r>
-              <a:rPr lang="en-US" altLang="zh-CN" dirty="0"/>
-              <a:t>Model - BOLL</a:t>
-            </a:r>
-            <a:endParaRPr lang="zh-CN" altLang="en-US" dirty="0"/>
-          </a:p>
-        </p:txBody>
-      </p:sp>
-      <p:sp>
-        <p:nvSpPr>
-          <p:cNvPr id="3" name="内容占位符 2">
-            <a:extLst>
-              <a:ext uri="{FF2B5EF4-FFF2-40B4-BE49-F238E27FC236}">
-                <a16:creationId xmlns:a16="http://schemas.microsoft.com/office/drawing/2014/main" id="{7795861A-8275-4F4E-A907-743BE9F88C8D}"/>
-              </a:ext>
-            </a:extLst>
-          </p:cNvPr>
-          <p:cNvSpPr>
-            <a:spLocks noGrp="1"/>
-          </p:cNvSpPr>
-          <p:nvPr>
-            <p:ph idx="1"/>
-          </p:nvPr>
-        </p:nvSpPr>
-        <p:spPr/>
-        <p:txBody>
-          <a:bodyPr/>
-          <a:lstStyle/>
-          <a:p>
-            <a:r>
-              <a:rPr lang="zh-CN" altLang="en-US" b="1" dirty="0">
-                <a:solidFill>
-                  <a:srgbClr val="3E3E3E"/>
-                </a:solidFill>
-                <a:effectLst/>
-                <a:latin typeface="Hiragino Sans GB"/>
-              </a:rPr>
-              <a:t>布林缩口开口</a:t>
-            </a:r>
-            <a:endParaRPr lang="zh-CN" altLang="en-US" dirty="0">
-              <a:solidFill>
-                <a:srgbClr val="3E3E3E"/>
-              </a:solidFill>
-              <a:effectLst/>
-              <a:latin typeface="Hiragino Sans GB"/>
-            </a:endParaRPr>
-          </a:p>
-          <a:p>
-            <a:r>
-              <a:rPr lang="zh-CN" altLang="en-US" b="0" i="0" dirty="0">
-                <a:solidFill>
-                  <a:srgbClr val="3E3E3E"/>
-                </a:solidFill>
-                <a:effectLst/>
-                <a:latin typeface="Hiragino Sans GB"/>
-              </a:rPr>
-              <a:t>布林的开口往往意味着经过一轮调整后，开始一轮新的行情或上涨或下跌</a:t>
-            </a:r>
-            <a:endParaRPr lang="en-US" altLang="zh-CN" dirty="0"/>
-          </a:p>
-        </p:txBody>
-      </p:sp>
-    </p:spTree>
-    <p:extLst>
-      <p:ext uri="{BB962C8B-B14F-4D97-AF65-F5344CB8AC3E}">
-        <p14:creationId xmlns:p14="http://schemas.microsoft.com/office/powerpoint/2010/main" val="657271282"/>
-      </p:ext>
-    </p:extLst>
-  </p:cSld>
-  <p:clrMapOvr>
-    <a:masterClrMapping/>
-  </p:clrMapOvr>
-</p:sld>
-</file>
-
-<file path=ppt/slides/slide8.xml><?xml version="1.0" encoding="utf-8"?>
-<p:sld xmlns:a="http://schemas.openxmlformats.org/drawingml/2006/main" xmlns:r="http://schemas.openxmlformats.org/officeDocument/2006/relationships" xmlns:p="http://schemas.openxmlformats.org/presentationml/2006/main">
-  <p:cSld>
-    <p:spTree>
-      <p:nvGrpSpPr>
-        <p:cNvPr id="1" name=""/>
-        <p:cNvGrpSpPr/>
-        <p:nvPr/>
-      </p:nvGrpSpPr>
-      <p:grpSpPr>
-        <a:xfrm>
-          <a:off x="0" y="0"/>
-          <a:ext cx="0" cy="0"/>
-          <a:chOff x="0" y="0"/>
-          <a:chExt cx="0" cy="0"/>
-        </a:xfrm>
-      </p:grpSpPr>
-      <p:sp>
-        <p:nvSpPr>
-          <p:cNvPr id="2" name="标题 1">
-            <a:extLst>
-              <a:ext uri="{FF2B5EF4-FFF2-40B4-BE49-F238E27FC236}">
                 <a16:creationId xmlns:a16="http://schemas.microsoft.com/office/drawing/2014/main" id="{CF7DEE90-5406-0E22-10C2-34B4407E51AF}"/>
               </a:ext>
             </a:extLst>
@@ -7509,7 +8738,7 @@
 </p:sld>
 </file>
 
-<file path=ppt/slides/slide9.xml><?xml version="1.0" encoding="utf-8"?>
+<file path=ppt/slides/slide8.xml><?xml version="1.0" encoding="utf-8"?>
 <p:sld xmlns:a="http://schemas.openxmlformats.org/drawingml/2006/main" xmlns:r="http://schemas.openxmlformats.org/officeDocument/2006/relationships" xmlns:p="http://schemas.openxmlformats.org/presentationml/2006/main">
   <p:cSld>
     <p:spTree>
@@ -7549,7 +8778,7 @@
           <a:p>
             <a:r>
               <a:rPr lang="zh-CN" altLang="en-US" dirty="0"/>
-              <a:t>核心代码实现</a:t>
+              <a:t>最简单策略</a:t>
             </a:r>
           </a:p>
         </p:txBody>
@@ -7996,6 +9225,93 @@
     <p:extLst>
       <p:ext uri="{BB962C8B-B14F-4D97-AF65-F5344CB8AC3E}">
         <p14:creationId xmlns:p14="http://schemas.microsoft.com/office/powerpoint/2010/main" val="3634509202"/>
+      </p:ext>
+    </p:extLst>
+  </p:cSld>
+  <p:clrMapOvr>
+    <a:masterClrMapping/>
+  </p:clrMapOvr>
+</p:sld>
+</file>
+
+<file path=ppt/slides/slide9.xml><?xml version="1.0" encoding="utf-8"?>
+<p:sld xmlns:a="http://schemas.openxmlformats.org/drawingml/2006/main" xmlns:r="http://schemas.openxmlformats.org/officeDocument/2006/relationships" xmlns:p="http://schemas.openxmlformats.org/presentationml/2006/main">
+  <p:cSld>
+    <p:spTree>
+      <p:nvGrpSpPr>
+        <p:cNvPr id="1" name=""/>
+        <p:cNvGrpSpPr/>
+        <p:nvPr/>
+      </p:nvGrpSpPr>
+      <p:grpSpPr>
+        <a:xfrm>
+          <a:off x="0" y="0"/>
+          <a:ext cx="0" cy="0"/>
+          <a:chOff x="0" y="0"/>
+          <a:chExt cx="0" cy="0"/>
+        </a:xfrm>
+      </p:grpSpPr>
+      <p:sp>
+        <p:nvSpPr>
+          <p:cNvPr id="2" name="标题 1">
+            <a:extLst>
+              <a:ext uri="{FF2B5EF4-FFF2-40B4-BE49-F238E27FC236}">
+                <a16:creationId xmlns:a16="http://schemas.microsoft.com/office/drawing/2014/main" id="{F8E69015-04D5-47C8-B777-4E05F26F2F81}"/>
+              </a:ext>
+            </a:extLst>
+          </p:cNvPr>
+          <p:cNvSpPr>
+            <a:spLocks noGrp="1"/>
+          </p:cNvSpPr>
+          <p:nvPr>
+            <p:ph type="title"/>
+          </p:nvPr>
+        </p:nvSpPr>
+        <p:spPr/>
+        <p:txBody>
+          <a:bodyPr/>
+          <a:lstStyle/>
+          <a:p>
+            <a:r>
+              <a:rPr lang="en-US" altLang="zh-CN" dirty="0"/>
+              <a:t>Evaluation</a:t>
+            </a:r>
+            <a:endParaRPr lang="zh-CN" altLang="en-US" dirty="0"/>
+          </a:p>
+        </p:txBody>
+      </p:sp>
+      <p:sp>
+        <p:nvSpPr>
+          <p:cNvPr id="3" name="内容占位符 2">
+            <a:extLst>
+              <a:ext uri="{FF2B5EF4-FFF2-40B4-BE49-F238E27FC236}">
+                <a16:creationId xmlns:a16="http://schemas.microsoft.com/office/drawing/2014/main" id="{DDE58DB3-600E-4003-AF41-CA53FE33C2AF}"/>
+              </a:ext>
+            </a:extLst>
+          </p:cNvPr>
+          <p:cNvSpPr>
+            <a:spLocks noGrp="1"/>
+          </p:cNvSpPr>
+          <p:nvPr>
+            <p:ph idx="1"/>
+          </p:nvPr>
+        </p:nvSpPr>
+        <p:spPr/>
+        <p:txBody>
+          <a:bodyPr/>
+          <a:lstStyle/>
+          <a:p>
+            <a:r>
+              <a:rPr lang="zh-CN" altLang="en-US" dirty="0"/>
+              <a:t>夏普比，年化收益如何？</a:t>
+            </a:r>
+          </a:p>
+        </p:txBody>
+      </p:sp>
+    </p:spTree>
+    <p:extLst>
+      <p:ext uri="{BB962C8B-B14F-4D97-AF65-F5344CB8AC3E}">
+        <p14:creationId xmlns:p14="http://schemas.microsoft.com/office/powerpoint/2010/main" val="1203914112"/>
       </p:ext>
     </p:extLst>
   </p:cSld>

--- a/slides.pptx
+++ b/slides.pptx
@@ -6717,6 +6717,14 @@
               <a:rPr lang="zh-CN" altLang="en-US" kern="0" dirty="0"/>
               <a:t>逃顶效率非常高</a:t>
             </a:r>
+            <a:r>
+              <a:rPr lang="en-US" altLang="zh-CN" kern="0" dirty="0"/>
+              <a:t>, </a:t>
+            </a:r>
+            <a:r>
+              <a:rPr lang="zh-CN" altLang="en-US" kern="0" dirty="0"/>
+              <a:t>买入信号误触发率较低</a:t>
+            </a:r>
             <a:endParaRPr lang="en-US" altLang="zh-CN" kern="0" dirty="0"/>
           </a:p>
           <a:p>
@@ -6755,42 +6763,6 @@
           <a:chExt cx="0" cy="0"/>
         </a:xfrm>
       </p:grpSpPr>
-      <p:pic>
-        <p:nvPicPr>
-          <p:cNvPr id="13" name="图片 12">
-            <a:extLst>
-              <a:ext uri="{FF2B5EF4-FFF2-40B4-BE49-F238E27FC236}">
-                <a16:creationId xmlns:a16="http://schemas.microsoft.com/office/drawing/2014/main" id="{119D3867-9C86-4182-B87D-622BF3C19766}"/>
-              </a:ext>
-            </a:extLst>
-          </p:cNvPr>
-          <p:cNvPicPr>
-            <a:picLocks noChangeAspect="1"/>
-          </p:cNvPicPr>
-          <p:nvPr/>
-        </p:nvPicPr>
-        <p:blipFill>
-          <a:blip r:embed="rId2">
-            <a:extLst>
-              <a:ext uri="{28A0092B-C50C-407E-A947-70E740481C1C}">
-                <a14:useLocalDpi xmlns:a14="http://schemas.microsoft.com/office/drawing/2010/main" val="0"/>
-              </a:ext>
-            </a:extLst>
-          </a:blip>
-          <a:stretch>
-            <a:fillRect/>
-          </a:stretch>
-        </p:blipFill>
-        <p:spPr>
-          <a:xfrm>
-            <a:off x="-399691" y="990600"/>
-            <a:ext cx="12192000" cy="3048000"/>
-          </a:xfrm>
-          <a:prstGeom prst="rect">
-            <a:avLst/>
-          </a:prstGeom>
-        </p:spPr>
-      </p:pic>
       <p:sp>
         <p:nvSpPr>
           <p:cNvPr id="2" name="标题 1">
@@ -6908,11 +6880,11 @@
                   <a:srgbClr val="FF0000"/>
                 </a:solidFill>
               </a:rPr>
-              <a:t>10.82%</a:t>
+              <a:t>13.77%</a:t>
             </a:r>
             <a:r>
               <a:rPr lang="en-US" altLang="zh-CN" dirty="0"/>
-              <a:t>           0.74                17.4%</a:t>
+              <a:t>           0.73                16.8%</a:t>
             </a:r>
           </a:p>
           <a:p>
@@ -6930,6 +6902,42 @@
           </a:p>
         </p:txBody>
       </p:sp>
+      <p:pic>
+        <p:nvPicPr>
+          <p:cNvPr id="4" name="图片 3">
+            <a:extLst>
+              <a:ext uri="{FF2B5EF4-FFF2-40B4-BE49-F238E27FC236}">
+                <a16:creationId xmlns:a16="http://schemas.microsoft.com/office/drawing/2014/main" id="{FB39F92E-DD2F-F1F9-E092-3796C3578F07}"/>
+              </a:ext>
+            </a:extLst>
+          </p:cNvPr>
+          <p:cNvPicPr>
+            <a:picLocks noChangeAspect="1"/>
+          </p:cNvPicPr>
+          <p:nvPr/>
+        </p:nvPicPr>
+        <p:blipFill>
+          <a:blip r:embed="rId2">
+            <a:extLst>
+              <a:ext uri="{28A0092B-C50C-407E-A947-70E740481C1C}">
+                <a14:useLocalDpi xmlns:a14="http://schemas.microsoft.com/office/drawing/2010/main" val="0"/>
+              </a:ext>
+            </a:extLst>
+          </a:blip>
+          <a:stretch>
+            <a:fillRect/>
+          </a:stretch>
+        </p:blipFill>
+        <p:spPr>
+          <a:xfrm>
+            <a:off x="0" y="1172938"/>
+            <a:ext cx="12192000" cy="3048000"/>
+          </a:xfrm>
+          <a:prstGeom prst="rect">
+            <a:avLst/>
+          </a:prstGeom>
+        </p:spPr>
+      </p:pic>
     </p:spTree>
     <p:extLst>
       <p:ext uri="{BB962C8B-B14F-4D97-AF65-F5344CB8AC3E}">
@@ -7218,12 +7226,16 @@
               <a:t>bolling</a:t>
             </a:r>
             <a:r>
+              <a:rPr lang="zh-CN" altLang="en-US" dirty="0"/>
+              <a:t>线，</a:t>
+            </a:r>
+            <a:r>
               <a:rPr lang="zh-CN" altLang="en-US"/>
-              <a:t>线，更好地理解趋势，效果</a:t>
+              <a:t>更好地跟踪趋势</a:t>
             </a:r>
             <a:r>
               <a:rPr lang="zh-CN" altLang="en-US" dirty="0"/>
-              <a:t>比传统布林线更好</a:t>
+              <a:t>，效果比传统布林线更好</a:t>
             </a:r>
             <a:endParaRPr lang="en-US" altLang="zh-CN" dirty="0"/>
           </a:p>
